--- a/例图.pptx
+++ b/例图.pptx
@@ -7,10 +7,12 @@
   <p:sldIdLst>
     <p:sldId id="257" r:id="rId2"/>
     <p:sldId id="258" r:id="rId3"/>
-    <p:sldId id="259" r:id="rId4"/>
-    <p:sldId id="260" r:id="rId5"/>
-    <p:sldId id="262" r:id="rId6"/>
-    <p:sldId id="261" r:id="rId7"/>
+    <p:sldId id="263" r:id="rId4"/>
+    <p:sldId id="259" r:id="rId5"/>
+    <p:sldId id="260" r:id="rId6"/>
+    <p:sldId id="262" r:id="rId7"/>
+    <p:sldId id="261" r:id="rId8"/>
+    <p:sldId id="264" r:id="rId9"/>
   </p:sldIdLst>
   <p:sldSz cx="12192000" cy="6858000"/>
   <p:notesSz cx="6858000" cy="9144000"/>
@@ -264,7 +266,7 @@
           <a:p>
             <a:fld id="{1258CBEF-9261-4C13-B600-27CDB28E5AC3}" type="datetimeFigureOut">
               <a:rPr lang="zh-CN" altLang="en-US" smtClean="0"/>
-              <a:t>2024/3/16</a:t>
+              <a:t>2024/3/18</a:t>
             </a:fld>
             <a:endParaRPr lang="zh-CN" altLang="en-US"/>
           </a:p>
@@ -462,7 +464,7 @@
           <a:p>
             <a:fld id="{1258CBEF-9261-4C13-B600-27CDB28E5AC3}" type="datetimeFigureOut">
               <a:rPr lang="zh-CN" altLang="en-US" smtClean="0"/>
-              <a:t>2024/3/16</a:t>
+              <a:t>2024/3/18</a:t>
             </a:fld>
             <a:endParaRPr lang="zh-CN" altLang="en-US"/>
           </a:p>
@@ -670,7 +672,7 @@
           <a:p>
             <a:fld id="{1258CBEF-9261-4C13-B600-27CDB28E5AC3}" type="datetimeFigureOut">
               <a:rPr lang="zh-CN" altLang="en-US" smtClean="0"/>
-              <a:t>2024/3/16</a:t>
+              <a:t>2024/3/18</a:t>
             </a:fld>
             <a:endParaRPr lang="zh-CN" altLang="en-US"/>
           </a:p>
@@ -868,7 +870,7 @@
           <a:p>
             <a:fld id="{1258CBEF-9261-4C13-B600-27CDB28E5AC3}" type="datetimeFigureOut">
               <a:rPr lang="zh-CN" altLang="en-US" smtClean="0"/>
-              <a:t>2024/3/16</a:t>
+              <a:t>2024/3/18</a:t>
             </a:fld>
             <a:endParaRPr lang="zh-CN" altLang="en-US"/>
           </a:p>
@@ -1143,7 +1145,7 @@
           <a:p>
             <a:fld id="{1258CBEF-9261-4C13-B600-27CDB28E5AC3}" type="datetimeFigureOut">
               <a:rPr lang="zh-CN" altLang="en-US" smtClean="0"/>
-              <a:t>2024/3/16</a:t>
+              <a:t>2024/3/18</a:t>
             </a:fld>
             <a:endParaRPr lang="zh-CN" altLang="en-US"/>
           </a:p>
@@ -1408,7 +1410,7 @@
           <a:p>
             <a:fld id="{1258CBEF-9261-4C13-B600-27CDB28E5AC3}" type="datetimeFigureOut">
               <a:rPr lang="zh-CN" altLang="en-US" smtClean="0"/>
-              <a:t>2024/3/16</a:t>
+              <a:t>2024/3/18</a:t>
             </a:fld>
             <a:endParaRPr lang="zh-CN" altLang="en-US"/>
           </a:p>
@@ -1820,7 +1822,7 @@
           <a:p>
             <a:fld id="{1258CBEF-9261-4C13-B600-27CDB28E5AC3}" type="datetimeFigureOut">
               <a:rPr lang="zh-CN" altLang="en-US" smtClean="0"/>
-              <a:t>2024/3/16</a:t>
+              <a:t>2024/3/18</a:t>
             </a:fld>
             <a:endParaRPr lang="zh-CN" altLang="en-US"/>
           </a:p>
@@ -1961,7 +1963,7 @@
           <a:p>
             <a:fld id="{1258CBEF-9261-4C13-B600-27CDB28E5AC3}" type="datetimeFigureOut">
               <a:rPr lang="zh-CN" altLang="en-US" smtClean="0"/>
-              <a:t>2024/3/16</a:t>
+              <a:t>2024/3/18</a:t>
             </a:fld>
             <a:endParaRPr lang="zh-CN" altLang="en-US"/>
           </a:p>
@@ -2074,7 +2076,7 @@
           <a:p>
             <a:fld id="{1258CBEF-9261-4C13-B600-27CDB28E5AC3}" type="datetimeFigureOut">
               <a:rPr lang="zh-CN" altLang="en-US" smtClean="0"/>
-              <a:t>2024/3/16</a:t>
+              <a:t>2024/3/18</a:t>
             </a:fld>
             <a:endParaRPr lang="zh-CN" altLang="en-US"/>
           </a:p>
@@ -2385,7 +2387,7 @@
           <a:p>
             <a:fld id="{1258CBEF-9261-4C13-B600-27CDB28E5AC3}" type="datetimeFigureOut">
               <a:rPr lang="zh-CN" altLang="en-US" smtClean="0"/>
-              <a:t>2024/3/16</a:t>
+              <a:t>2024/3/18</a:t>
             </a:fld>
             <a:endParaRPr lang="zh-CN" altLang="en-US"/>
           </a:p>
@@ -2676,7 +2678,7 @@
           <a:p>
             <a:fld id="{1258CBEF-9261-4C13-B600-27CDB28E5AC3}" type="datetimeFigureOut">
               <a:rPr lang="zh-CN" altLang="en-US" smtClean="0"/>
-              <a:t>2024/3/16</a:t>
+              <a:t>2024/3/18</a:t>
             </a:fld>
             <a:endParaRPr lang="zh-CN" altLang="en-US"/>
           </a:p>
@@ -2917,7 +2919,7 @@
           <a:p>
             <a:fld id="{1258CBEF-9261-4C13-B600-27CDB28E5AC3}" type="datetimeFigureOut">
               <a:rPr lang="zh-CN" altLang="en-US" smtClean="0"/>
-              <a:t>2024/3/16</a:t>
+              <a:t>2024/3/18</a:t>
             </a:fld>
             <a:endParaRPr lang="zh-CN" altLang="en-US"/>
           </a:p>
@@ -7319,6 +7321,2062 @@
           <a:chExt cx="0" cy="0"/>
         </a:xfrm>
       </p:grpSpPr>
+      <p:sp>
+        <p:nvSpPr>
+          <p:cNvPr id="2" name="矩形 1">
+            <a:extLst>
+              <a:ext uri="{FF2B5EF4-FFF2-40B4-BE49-F238E27FC236}">
+                <a16:creationId xmlns:a16="http://schemas.microsoft.com/office/drawing/2014/main" id="{398DC327-8B87-0880-EF5F-8F6029A5441E}"/>
+              </a:ext>
+            </a:extLst>
+          </p:cNvPr>
+          <p:cNvSpPr/>
+          <p:nvPr/>
+        </p:nvSpPr>
+        <p:spPr>
+          <a:xfrm>
+            <a:off x="1491049" y="2018270"/>
+            <a:ext cx="1392194" cy="1169773"/>
+          </a:xfrm>
+          <a:prstGeom prst="rect">
+            <a:avLst/>
+          </a:prstGeom>
+        </p:spPr>
+        <p:style>
+          <a:lnRef idx="2">
+            <a:schemeClr val="accent3">
+              <a:shade val="15000"/>
+            </a:schemeClr>
+          </a:lnRef>
+          <a:fillRef idx="1">
+            <a:schemeClr val="accent3"/>
+          </a:fillRef>
+          <a:effectRef idx="0">
+            <a:schemeClr val="accent3"/>
+          </a:effectRef>
+          <a:fontRef idx="minor">
+            <a:schemeClr val="lt1"/>
+          </a:fontRef>
+        </p:style>
+        <p:txBody>
+          <a:bodyPr rtlCol="0" anchor="ctr"/>
+          <a:lstStyle/>
+          <a:p>
+            <a:pPr algn="ctr"/>
+            <a:endParaRPr lang="zh-CN" altLang="en-US"/>
+          </a:p>
+        </p:txBody>
+      </p:sp>
+      <p:sp>
+        <p:nvSpPr>
+          <p:cNvPr id="5" name="矩形 4">
+            <a:extLst>
+              <a:ext uri="{FF2B5EF4-FFF2-40B4-BE49-F238E27FC236}">
+                <a16:creationId xmlns:a16="http://schemas.microsoft.com/office/drawing/2014/main" id="{8A752FAE-6133-AA87-D53C-43E20C84144A}"/>
+              </a:ext>
+            </a:extLst>
+          </p:cNvPr>
+          <p:cNvSpPr/>
+          <p:nvPr/>
+        </p:nvSpPr>
+        <p:spPr>
+          <a:xfrm>
+            <a:off x="1614616" y="2108886"/>
+            <a:ext cx="1136822" cy="988540"/>
+          </a:xfrm>
+          <a:prstGeom prst="rect">
+            <a:avLst/>
+          </a:prstGeom>
+        </p:spPr>
+        <p:style>
+          <a:lnRef idx="2">
+            <a:schemeClr val="dk1">
+              <a:shade val="15000"/>
+            </a:schemeClr>
+          </a:lnRef>
+          <a:fillRef idx="1">
+            <a:schemeClr val="dk1"/>
+          </a:fillRef>
+          <a:effectRef idx="0">
+            <a:schemeClr val="dk1"/>
+          </a:effectRef>
+          <a:fontRef idx="minor">
+            <a:schemeClr val="lt1"/>
+          </a:fontRef>
+        </p:style>
+        <p:txBody>
+          <a:bodyPr rtlCol="0" anchor="ctr"/>
+          <a:lstStyle/>
+          <a:p>
+            <a:pPr algn="ctr"/>
+            <a:endParaRPr lang="zh-CN" altLang="en-US"/>
+          </a:p>
+        </p:txBody>
+      </p:sp>
+      <p:sp>
+        <p:nvSpPr>
+          <p:cNvPr id="3" name="文本框 2">
+            <a:extLst>
+              <a:ext uri="{FF2B5EF4-FFF2-40B4-BE49-F238E27FC236}">
+                <a16:creationId xmlns:a16="http://schemas.microsoft.com/office/drawing/2014/main" id="{CA405573-F4F9-E669-BB7D-F1750CD095F5}"/>
+              </a:ext>
+            </a:extLst>
+          </p:cNvPr>
+          <p:cNvSpPr txBox="1"/>
+          <p:nvPr/>
+        </p:nvSpPr>
+        <p:spPr>
+          <a:xfrm>
+            <a:off x="1911180" y="2380736"/>
+            <a:ext cx="1754659" cy="369332"/>
+          </a:xfrm>
+          <a:prstGeom prst="rect">
+            <a:avLst/>
+          </a:prstGeom>
+          <a:noFill/>
+        </p:spPr>
+        <p:txBody>
+          <a:bodyPr wrap="square" rtlCol="0">
+            <a:spAutoFit/>
+          </a:bodyPr>
+          <a:lstStyle/>
+          <a:p>
+            <a:r>
+              <a:rPr lang="en-US" altLang="zh-CN" b="1" dirty="0">
+                <a:solidFill>
+                  <a:schemeClr val="bg1"/>
+                </a:solidFill>
+              </a:rPr>
+              <a:t>PC</a:t>
+            </a:r>
+            <a:endParaRPr lang="zh-CN" altLang="en-US" b="1" dirty="0">
+              <a:solidFill>
+                <a:schemeClr val="bg1"/>
+              </a:solidFill>
+            </a:endParaRPr>
+          </a:p>
+        </p:txBody>
+      </p:sp>
+      <p:sp>
+        <p:nvSpPr>
+          <p:cNvPr id="4" name="矩形 3">
+            <a:extLst>
+              <a:ext uri="{FF2B5EF4-FFF2-40B4-BE49-F238E27FC236}">
+                <a16:creationId xmlns:a16="http://schemas.microsoft.com/office/drawing/2014/main" id="{408E0394-2CC6-D37C-5D58-355984572AE4}"/>
+              </a:ext>
+            </a:extLst>
+          </p:cNvPr>
+          <p:cNvSpPr/>
+          <p:nvPr/>
+        </p:nvSpPr>
+        <p:spPr>
+          <a:xfrm>
+            <a:off x="1491049" y="3332207"/>
+            <a:ext cx="1392194" cy="218302"/>
+          </a:xfrm>
+          <a:prstGeom prst="rect">
+            <a:avLst/>
+          </a:prstGeom>
+        </p:spPr>
+        <p:style>
+          <a:lnRef idx="2">
+            <a:schemeClr val="accent3">
+              <a:shade val="15000"/>
+            </a:schemeClr>
+          </a:lnRef>
+          <a:fillRef idx="1">
+            <a:schemeClr val="accent3"/>
+          </a:fillRef>
+          <a:effectRef idx="0">
+            <a:schemeClr val="accent3"/>
+          </a:effectRef>
+          <a:fontRef idx="minor">
+            <a:schemeClr val="lt1"/>
+          </a:fontRef>
+        </p:style>
+        <p:txBody>
+          <a:bodyPr rtlCol="0" anchor="ctr"/>
+          <a:lstStyle/>
+          <a:p>
+            <a:pPr algn="ctr"/>
+            <a:endParaRPr lang="zh-CN" altLang="en-US"/>
+          </a:p>
+        </p:txBody>
+      </p:sp>
+      <p:pic>
+        <p:nvPicPr>
+          <p:cNvPr id="14" name="图片 13">
+            <a:extLst>
+              <a:ext uri="{FF2B5EF4-FFF2-40B4-BE49-F238E27FC236}">
+                <a16:creationId xmlns:a16="http://schemas.microsoft.com/office/drawing/2014/main" id="{CB491702-ACA6-90C7-577A-A5DB828B3D0D}"/>
+              </a:ext>
+            </a:extLst>
+          </p:cNvPr>
+          <p:cNvPicPr>
+            <a:picLocks noChangeAspect="1"/>
+          </p:cNvPicPr>
+          <p:nvPr/>
+        </p:nvPicPr>
+        <p:blipFill>
+          <a:blip r:embed="rId2"/>
+          <a:stretch>
+            <a:fillRect/>
+          </a:stretch>
+        </p:blipFill>
+        <p:spPr>
+          <a:xfrm>
+            <a:off x="8640203" y="2257458"/>
+            <a:ext cx="1813611" cy="1350423"/>
+          </a:xfrm>
+          <a:prstGeom prst="rect">
+            <a:avLst/>
+          </a:prstGeom>
+        </p:spPr>
+      </p:pic>
+      <p:pic>
+        <p:nvPicPr>
+          <p:cNvPr id="7" name="图片 6">
+            <a:extLst>
+              <a:ext uri="{FF2B5EF4-FFF2-40B4-BE49-F238E27FC236}">
+                <a16:creationId xmlns:a16="http://schemas.microsoft.com/office/drawing/2014/main" id="{8E8A5A97-02A6-2EF1-9DFD-8021717661F3}"/>
+              </a:ext>
+            </a:extLst>
+          </p:cNvPr>
+          <p:cNvPicPr>
+            <a:picLocks noChangeAspect="1"/>
+          </p:cNvPicPr>
+          <p:nvPr/>
+        </p:nvPicPr>
+        <p:blipFill>
+          <a:blip r:embed="rId3">
+            <a:extLst>
+              <a:ext uri="{28A0092B-C50C-407E-A947-70E740481C1C}">
+                <a14:useLocalDpi xmlns:a14="http://schemas.microsoft.com/office/drawing/2010/main" val="0"/>
+              </a:ext>
+            </a:extLst>
+          </a:blip>
+          <a:stretch>
+            <a:fillRect/>
+          </a:stretch>
+        </p:blipFill>
+        <p:spPr>
+          <a:xfrm>
+            <a:off x="4268489" y="1824946"/>
+            <a:ext cx="2680634" cy="1850243"/>
+          </a:xfrm>
+          <a:prstGeom prst="rect">
+            <a:avLst/>
+          </a:prstGeom>
+        </p:spPr>
+      </p:pic>
+      <p:cxnSp>
+        <p:nvCxnSpPr>
+          <p:cNvPr id="11" name="直接箭头连接符 10">
+            <a:extLst>
+              <a:ext uri="{FF2B5EF4-FFF2-40B4-BE49-F238E27FC236}">
+                <a16:creationId xmlns:a16="http://schemas.microsoft.com/office/drawing/2014/main" id="{EB8433D2-72B8-8566-AA92-2979A92D7A2E}"/>
+              </a:ext>
+            </a:extLst>
+          </p:cNvPr>
+          <p:cNvCxnSpPr/>
+          <p:nvPr/>
+        </p:nvCxnSpPr>
+        <p:spPr>
+          <a:xfrm>
+            <a:off x="3039762" y="2932670"/>
+            <a:ext cx="1194487" cy="0"/>
+          </a:xfrm>
+          <a:prstGeom prst="straightConnector1">
+            <a:avLst/>
+          </a:prstGeom>
+          <a:ln w="57150">
+            <a:headEnd type="triangle"/>
+            <a:tailEnd type="triangle"/>
+          </a:ln>
+        </p:spPr>
+        <p:style>
+          <a:lnRef idx="1">
+            <a:schemeClr val="accent1"/>
+          </a:lnRef>
+          <a:fillRef idx="0">
+            <a:schemeClr val="accent1"/>
+          </a:fillRef>
+          <a:effectRef idx="0">
+            <a:schemeClr val="accent1"/>
+          </a:effectRef>
+          <a:fontRef idx="minor">
+            <a:schemeClr val="tx1"/>
+          </a:fontRef>
+        </p:style>
+      </p:cxnSp>
+      <p:sp>
+        <p:nvSpPr>
+          <p:cNvPr id="13" name="任意多边形: 形状 12">
+            <a:extLst>
+              <a:ext uri="{FF2B5EF4-FFF2-40B4-BE49-F238E27FC236}">
+                <a16:creationId xmlns:a16="http://schemas.microsoft.com/office/drawing/2014/main" id="{56F980C9-F50F-3C9A-9E54-D86EDD4D4179}"/>
+              </a:ext>
+            </a:extLst>
+          </p:cNvPr>
+          <p:cNvSpPr/>
+          <p:nvPr/>
+        </p:nvSpPr>
+        <p:spPr>
+          <a:xfrm>
+            <a:off x="6944497" y="1565189"/>
+            <a:ext cx="2275052" cy="1128584"/>
+          </a:xfrm>
+          <a:custGeom>
+            <a:avLst/>
+            <a:gdLst>
+              <a:gd name="connsiteX0" fmla="*/ 0 w 2275052"/>
+              <a:gd name="connsiteY0" fmla="*/ 1128584 h 1128584"/>
+              <a:gd name="connsiteX1" fmla="*/ 222422 w 2275052"/>
+              <a:gd name="connsiteY1" fmla="*/ 1103870 h 1128584"/>
+              <a:gd name="connsiteX2" fmla="*/ 345989 w 2275052"/>
+              <a:gd name="connsiteY2" fmla="*/ 1079157 h 1128584"/>
+              <a:gd name="connsiteX3" fmla="*/ 395417 w 2275052"/>
+              <a:gd name="connsiteY3" fmla="*/ 1054443 h 1128584"/>
+              <a:gd name="connsiteX4" fmla="*/ 469557 w 2275052"/>
+              <a:gd name="connsiteY4" fmla="*/ 1013254 h 1128584"/>
+              <a:gd name="connsiteX5" fmla="*/ 593125 w 2275052"/>
+              <a:gd name="connsiteY5" fmla="*/ 980303 h 1128584"/>
+              <a:gd name="connsiteX6" fmla="*/ 716692 w 2275052"/>
+              <a:gd name="connsiteY6" fmla="*/ 889687 h 1128584"/>
+              <a:gd name="connsiteX7" fmla="*/ 749644 w 2275052"/>
+              <a:gd name="connsiteY7" fmla="*/ 856735 h 1128584"/>
+              <a:gd name="connsiteX8" fmla="*/ 864973 w 2275052"/>
+              <a:gd name="connsiteY8" fmla="*/ 757881 h 1128584"/>
+              <a:gd name="connsiteX9" fmla="*/ 897925 w 2275052"/>
+              <a:gd name="connsiteY9" fmla="*/ 708454 h 1128584"/>
+              <a:gd name="connsiteX10" fmla="*/ 963827 w 2275052"/>
+              <a:gd name="connsiteY10" fmla="*/ 634314 h 1128584"/>
+              <a:gd name="connsiteX11" fmla="*/ 996779 w 2275052"/>
+              <a:gd name="connsiteY11" fmla="*/ 560173 h 1128584"/>
+              <a:gd name="connsiteX12" fmla="*/ 1037968 w 2275052"/>
+              <a:gd name="connsiteY12" fmla="*/ 494270 h 1128584"/>
+              <a:gd name="connsiteX13" fmla="*/ 1095633 w 2275052"/>
+              <a:gd name="connsiteY13" fmla="*/ 362465 h 1128584"/>
+              <a:gd name="connsiteX14" fmla="*/ 1194487 w 2275052"/>
+              <a:gd name="connsiteY14" fmla="*/ 214184 h 1128584"/>
+              <a:gd name="connsiteX15" fmla="*/ 1293341 w 2275052"/>
+              <a:gd name="connsiteY15" fmla="*/ 74141 h 1128584"/>
+              <a:gd name="connsiteX16" fmla="*/ 1359244 w 2275052"/>
+              <a:gd name="connsiteY16" fmla="*/ 49427 h 1128584"/>
+              <a:gd name="connsiteX17" fmla="*/ 1383957 w 2275052"/>
+              <a:gd name="connsiteY17" fmla="*/ 24714 h 1128584"/>
+              <a:gd name="connsiteX18" fmla="*/ 1441622 w 2275052"/>
+              <a:gd name="connsiteY18" fmla="*/ 16476 h 1128584"/>
+              <a:gd name="connsiteX19" fmla="*/ 1515762 w 2275052"/>
+              <a:gd name="connsiteY19" fmla="*/ 0 h 1128584"/>
+              <a:gd name="connsiteX20" fmla="*/ 1655806 w 2275052"/>
+              <a:gd name="connsiteY20" fmla="*/ 8238 h 1128584"/>
+              <a:gd name="connsiteX21" fmla="*/ 1729946 w 2275052"/>
+              <a:gd name="connsiteY21" fmla="*/ 49427 h 1128584"/>
+              <a:gd name="connsiteX22" fmla="*/ 1902941 w 2275052"/>
+              <a:gd name="connsiteY22" fmla="*/ 107092 h 1128584"/>
+              <a:gd name="connsiteX23" fmla="*/ 2125362 w 2275052"/>
+              <a:gd name="connsiteY23" fmla="*/ 255373 h 1128584"/>
+              <a:gd name="connsiteX24" fmla="*/ 2207741 w 2275052"/>
+              <a:gd name="connsiteY24" fmla="*/ 354227 h 1128584"/>
+              <a:gd name="connsiteX25" fmla="*/ 2224217 w 2275052"/>
+              <a:gd name="connsiteY25" fmla="*/ 403654 h 1128584"/>
+              <a:gd name="connsiteX26" fmla="*/ 2232454 w 2275052"/>
+              <a:gd name="connsiteY26" fmla="*/ 444843 h 1128584"/>
+              <a:gd name="connsiteX27" fmla="*/ 2248930 w 2275052"/>
+              <a:gd name="connsiteY27" fmla="*/ 477795 h 1128584"/>
+              <a:gd name="connsiteX28" fmla="*/ 2273644 w 2275052"/>
+              <a:gd name="connsiteY28" fmla="*/ 675503 h 1128584"/>
+              <a:gd name="connsiteX29" fmla="*/ 2273644 w 2275052"/>
+              <a:gd name="connsiteY29" fmla="*/ 889687 h 1128584"/>
+            </a:gdLst>
+            <a:ahLst/>
+            <a:cxnLst>
+              <a:cxn ang="0">
+                <a:pos x="connsiteX0" y="connsiteY0"/>
+              </a:cxn>
+              <a:cxn ang="0">
+                <a:pos x="connsiteX1" y="connsiteY1"/>
+              </a:cxn>
+              <a:cxn ang="0">
+                <a:pos x="connsiteX2" y="connsiteY2"/>
+              </a:cxn>
+              <a:cxn ang="0">
+                <a:pos x="connsiteX3" y="connsiteY3"/>
+              </a:cxn>
+              <a:cxn ang="0">
+                <a:pos x="connsiteX4" y="connsiteY4"/>
+              </a:cxn>
+              <a:cxn ang="0">
+                <a:pos x="connsiteX5" y="connsiteY5"/>
+              </a:cxn>
+              <a:cxn ang="0">
+                <a:pos x="connsiteX6" y="connsiteY6"/>
+              </a:cxn>
+              <a:cxn ang="0">
+                <a:pos x="connsiteX7" y="connsiteY7"/>
+              </a:cxn>
+              <a:cxn ang="0">
+                <a:pos x="connsiteX8" y="connsiteY8"/>
+              </a:cxn>
+              <a:cxn ang="0">
+                <a:pos x="connsiteX9" y="connsiteY9"/>
+              </a:cxn>
+              <a:cxn ang="0">
+                <a:pos x="connsiteX10" y="connsiteY10"/>
+              </a:cxn>
+              <a:cxn ang="0">
+                <a:pos x="connsiteX11" y="connsiteY11"/>
+              </a:cxn>
+              <a:cxn ang="0">
+                <a:pos x="connsiteX12" y="connsiteY12"/>
+              </a:cxn>
+              <a:cxn ang="0">
+                <a:pos x="connsiteX13" y="connsiteY13"/>
+              </a:cxn>
+              <a:cxn ang="0">
+                <a:pos x="connsiteX14" y="connsiteY14"/>
+              </a:cxn>
+              <a:cxn ang="0">
+                <a:pos x="connsiteX15" y="connsiteY15"/>
+              </a:cxn>
+              <a:cxn ang="0">
+                <a:pos x="connsiteX16" y="connsiteY16"/>
+              </a:cxn>
+              <a:cxn ang="0">
+                <a:pos x="connsiteX17" y="connsiteY17"/>
+              </a:cxn>
+              <a:cxn ang="0">
+                <a:pos x="connsiteX18" y="connsiteY18"/>
+              </a:cxn>
+              <a:cxn ang="0">
+                <a:pos x="connsiteX19" y="connsiteY19"/>
+              </a:cxn>
+              <a:cxn ang="0">
+                <a:pos x="connsiteX20" y="connsiteY20"/>
+              </a:cxn>
+              <a:cxn ang="0">
+                <a:pos x="connsiteX21" y="connsiteY21"/>
+              </a:cxn>
+              <a:cxn ang="0">
+                <a:pos x="connsiteX22" y="connsiteY22"/>
+              </a:cxn>
+              <a:cxn ang="0">
+                <a:pos x="connsiteX23" y="connsiteY23"/>
+              </a:cxn>
+              <a:cxn ang="0">
+                <a:pos x="connsiteX24" y="connsiteY24"/>
+              </a:cxn>
+              <a:cxn ang="0">
+                <a:pos x="connsiteX25" y="connsiteY25"/>
+              </a:cxn>
+              <a:cxn ang="0">
+                <a:pos x="connsiteX26" y="connsiteY26"/>
+              </a:cxn>
+              <a:cxn ang="0">
+                <a:pos x="connsiteX27" y="connsiteY27"/>
+              </a:cxn>
+              <a:cxn ang="0">
+                <a:pos x="connsiteX28" y="connsiteY28"/>
+              </a:cxn>
+              <a:cxn ang="0">
+                <a:pos x="connsiteX29" y="connsiteY29"/>
+              </a:cxn>
+            </a:cxnLst>
+            <a:rect l="l" t="t" r="r" b="b"/>
+            <a:pathLst>
+              <a:path w="2275052" h="1128584">
+                <a:moveTo>
+                  <a:pt x="0" y="1128584"/>
+                </a:moveTo>
+                <a:cubicBezTo>
+                  <a:pt x="74141" y="1120346"/>
+                  <a:pt x="155700" y="1137230"/>
+                  <a:pt x="222422" y="1103870"/>
+                </a:cubicBezTo>
+                <a:cubicBezTo>
+                  <a:pt x="282501" y="1073831"/>
+                  <a:pt x="243143" y="1088507"/>
+                  <a:pt x="345989" y="1079157"/>
+                </a:cubicBezTo>
+                <a:cubicBezTo>
+                  <a:pt x="362465" y="1070919"/>
+                  <a:pt x="379163" y="1063112"/>
+                  <a:pt x="395417" y="1054443"/>
+                </a:cubicBezTo>
+                <a:cubicBezTo>
+                  <a:pt x="420362" y="1041139"/>
+                  <a:pt x="443723" y="1024736"/>
+                  <a:pt x="469557" y="1013254"/>
+                </a:cubicBezTo>
+                <a:cubicBezTo>
+                  <a:pt x="523547" y="989259"/>
+                  <a:pt x="541083" y="988977"/>
+                  <a:pt x="593125" y="980303"/>
+                </a:cubicBezTo>
+                <a:cubicBezTo>
+                  <a:pt x="634314" y="950098"/>
+                  <a:pt x="680575" y="925804"/>
+                  <a:pt x="716692" y="889687"/>
+                </a:cubicBezTo>
+                <a:cubicBezTo>
+                  <a:pt x="727676" y="878703"/>
+                  <a:pt x="737711" y="866679"/>
+                  <a:pt x="749644" y="856735"/>
+                </a:cubicBezTo>
+                <a:cubicBezTo>
+                  <a:pt x="809147" y="807149"/>
+                  <a:pt x="817376" y="814997"/>
+                  <a:pt x="864973" y="757881"/>
+                </a:cubicBezTo>
+                <a:cubicBezTo>
+                  <a:pt x="877650" y="742669"/>
+                  <a:pt x="885555" y="723916"/>
+                  <a:pt x="897925" y="708454"/>
+                </a:cubicBezTo>
+                <a:cubicBezTo>
+                  <a:pt x="918581" y="682634"/>
+                  <a:pt x="945486" y="661826"/>
+                  <a:pt x="963827" y="634314"/>
+                </a:cubicBezTo>
+                <a:cubicBezTo>
+                  <a:pt x="978829" y="611811"/>
+                  <a:pt x="984125" y="584075"/>
+                  <a:pt x="996779" y="560173"/>
+                </a:cubicBezTo>
+                <a:cubicBezTo>
+                  <a:pt x="1008900" y="537278"/>
+                  <a:pt x="1026383" y="517440"/>
+                  <a:pt x="1037968" y="494270"/>
+                </a:cubicBezTo>
+                <a:cubicBezTo>
+                  <a:pt x="1059414" y="451377"/>
+                  <a:pt x="1069032" y="402367"/>
+                  <a:pt x="1095633" y="362465"/>
+                </a:cubicBezTo>
+                <a:cubicBezTo>
+                  <a:pt x="1128584" y="313038"/>
+                  <a:pt x="1163924" y="265123"/>
+                  <a:pt x="1194487" y="214184"/>
+                </a:cubicBezTo>
+                <a:cubicBezTo>
+                  <a:pt x="1215976" y="178368"/>
+                  <a:pt x="1272402" y="81121"/>
+                  <a:pt x="1293341" y="74141"/>
+                </a:cubicBezTo>
+                <a:cubicBezTo>
+                  <a:pt x="1332083" y="61227"/>
+                  <a:pt x="1309992" y="69128"/>
+                  <a:pt x="1359244" y="49427"/>
+                </a:cubicBezTo>
+                <a:cubicBezTo>
+                  <a:pt x="1367482" y="41189"/>
+                  <a:pt x="1373140" y="29041"/>
+                  <a:pt x="1383957" y="24714"/>
+                </a:cubicBezTo>
+                <a:cubicBezTo>
+                  <a:pt x="1401985" y="17503"/>
+                  <a:pt x="1422538" y="20054"/>
+                  <a:pt x="1441622" y="16476"/>
+                </a:cubicBezTo>
+                <a:cubicBezTo>
+                  <a:pt x="1466505" y="11810"/>
+                  <a:pt x="1491049" y="5492"/>
+                  <a:pt x="1515762" y="0"/>
+                </a:cubicBezTo>
+                <a:cubicBezTo>
+                  <a:pt x="1562443" y="2746"/>
+                  <a:pt x="1610241" y="-2277"/>
+                  <a:pt x="1655806" y="8238"/>
+                </a:cubicBezTo>
+                <a:cubicBezTo>
+                  <a:pt x="1683353" y="14595"/>
+                  <a:pt x="1703890" y="38456"/>
+                  <a:pt x="1729946" y="49427"/>
+                </a:cubicBezTo>
+                <a:cubicBezTo>
+                  <a:pt x="1818067" y="86531"/>
+                  <a:pt x="1813457" y="60807"/>
+                  <a:pt x="1902941" y="107092"/>
+                </a:cubicBezTo>
+                <a:cubicBezTo>
+                  <a:pt x="1954568" y="133796"/>
+                  <a:pt x="2072178" y="205513"/>
+                  <a:pt x="2125362" y="255373"/>
+                </a:cubicBezTo>
+                <a:cubicBezTo>
+                  <a:pt x="2157458" y="285463"/>
+                  <a:pt x="2181792" y="319629"/>
+                  <a:pt x="2207741" y="354227"/>
+                </a:cubicBezTo>
+                <a:cubicBezTo>
+                  <a:pt x="2213233" y="370703"/>
+                  <a:pt x="2219648" y="386899"/>
+                  <a:pt x="2224217" y="403654"/>
+                </a:cubicBezTo>
+                <a:cubicBezTo>
+                  <a:pt x="2227901" y="417162"/>
+                  <a:pt x="2228026" y="431560"/>
+                  <a:pt x="2232454" y="444843"/>
+                </a:cubicBezTo>
+                <a:cubicBezTo>
+                  <a:pt x="2236337" y="456493"/>
+                  <a:pt x="2243438" y="466811"/>
+                  <a:pt x="2248930" y="477795"/>
+                </a:cubicBezTo>
+                <a:cubicBezTo>
+                  <a:pt x="2263900" y="552641"/>
+                  <a:pt x="2269030" y="571699"/>
+                  <a:pt x="2273644" y="675503"/>
+                </a:cubicBezTo>
+                <a:cubicBezTo>
+                  <a:pt x="2276814" y="746827"/>
+                  <a:pt x="2273644" y="818292"/>
+                  <a:pt x="2273644" y="889687"/>
+                </a:cubicBezTo>
+              </a:path>
+            </a:pathLst>
+          </a:custGeom>
+          <a:noFill/>
+          <a:ln w="28575">
+            <a:solidFill>
+              <a:schemeClr val="bg2">
+                <a:lumMod val="50000"/>
+              </a:schemeClr>
+            </a:solidFill>
+          </a:ln>
+        </p:spPr>
+        <p:style>
+          <a:lnRef idx="2">
+            <a:schemeClr val="accent1">
+              <a:shade val="15000"/>
+            </a:schemeClr>
+          </a:lnRef>
+          <a:fillRef idx="1">
+            <a:schemeClr val="accent1"/>
+          </a:fillRef>
+          <a:effectRef idx="0">
+            <a:schemeClr val="accent1"/>
+          </a:effectRef>
+          <a:fontRef idx="minor">
+            <a:schemeClr val="lt1"/>
+          </a:fontRef>
+        </p:style>
+        <p:txBody>
+          <a:bodyPr rtlCol="0" anchor="ctr"/>
+          <a:lstStyle/>
+          <a:p>
+            <a:pPr algn="ctr"/>
+            <a:endParaRPr lang="zh-CN" altLang="en-US"/>
+          </a:p>
+        </p:txBody>
+      </p:sp>
+      <p:sp>
+        <p:nvSpPr>
+          <p:cNvPr id="17" name="任意多边形: 形状 16">
+            <a:extLst>
+              <a:ext uri="{FF2B5EF4-FFF2-40B4-BE49-F238E27FC236}">
+                <a16:creationId xmlns:a16="http://schemas.microsoft.com/office/drawing/2014/main" id="{BBDB4A51-A814-C198-3F35-F9B46BA09809}"/>
+              </a:ext>
+            </a:extLst>
+          </p:cNvPr>
+          <p:cNvSpPr/>
+          <p:nvPr/>
+        </p:nvSpPr>
+        <p:spPr>
+          <a:xfrm>
+            <a:off x="6911546" y="1606378"/>
+            <a:ext cx="2529016" cy="1318073"/>
+          </a:xfrm>
+          <a:custGeom>
+            <a:avLst/>
+            <a:gdLst>
+              <a:gd name="connsiteX0" fmla="*/ 2529016 w 2529016"/>
+              <a:gd name="connsiteY0" fmla="*/ 848498 h 1318073"/>
+              <a:gd name="connsiteX1" fmla="*/ 2520778 w 2529016"/>
+              <a:gd name="connsiteY1" fmla="*/ 502508 h 1318073"/>
+              <a:gd name="connsiteX2" fmla="*/ 2504303 w 2529016"/>
+              <a:gd name="connsiteY2" fmla="*/ 469557 h 1318073"/>
+              <a:gd name="connsiteX3" fmla="*/ 2496065 w 2529016"/>
+              <a:gd name="connsiteY3" fmla="*/ 403654 h 1318073"/>
+              <a:gd name="connsiteX4" fmla="*/ 2479589 w 2529016"/>
+              <a:gd name="connsiteY4" fmla="*/ 345990 h 1318073"/>
+              <a:gd name="connsiteX5" fmla="*/ 2471351 w 2529016"/>
+              <a:gd name="connsiteY5" fmla="*/ 296563 h 1318073"/>
+              <a:gd name="connsiteX6" fmla="*/ 2446638 w 2529016"/>
+              <a:gd name="connsiteY6" fmla="*/ 247136 h 1318073"/>
+              <a:gd name="connsiteX7" fmla="*/ 2430162 w 2529016"/>
+              <a:gd name="connsiteY7" fmla="*/ 197708 h 1318073"/>
+              <a:gd name="connsiteX8" fmla="*/ 2421924 w 2529016"/>
+              <a:gd name="connsiteY8" fmla="*/ 156519 h 1318073"/>
+              <a:gd name="connsiteX9" fmla="*/ 2397211 w 2529016"/>
+              <a:gd name="connsiteY9" fmla="*/ 131806 h 1318073"/>
+              <a:gd name="connsiteX10" fmla="*/ 2331308 w 2529016"/>
+              <a:gd name="connsiteY10" fmla="*/ 49427 h 1318073"/>
+              <a:gd name="connsiteX11" fmla="*/ 2257168 w 2529016"/>
+              <a:gd name="connsiteY11" fmla="*/ 24714 h 1318073"/>
+              <a:gd name="connsiteX12" fmla="*/ 2150076 w 2529016"/>
+              <a:gd name="connsiteY12" fmla="*/ 0 h 1318073"/>
+              <a:gd name="connsiteX13" fmla="*/ 2010032 w 2529016"/>
+              <a:gd name="connsiteY13" fmla="*/ 8238 h 1318073"/>
+              <a:gd name="connsiteX14" fmla="*/ 1977081 w 2529016"/>
+              <a:gd name="connsiteY14" fmla="*/ 32952 h 1318073"/>
+              <a:gd name="connsiteX15" fmla="*/ 1927654 w 2529016"/>
+              <a:gd name="connsiteY15" fmla="*/ 57665 h 1318073"/>
+              <a:gd name="connsiteX16" fmla="*/ 1878227 w 2529016"/>
+              <a:gd name="connsiteY16" fmla="*/ 107092 h 1318073"/>
+              <a:gd name="connsiteX17" fmla="*/ 1812324 w 2529016"/>
+              <a:gd name="connsiteY17" fmla="*/ 140044 h 1318073"/>
+              <a:gd name="connsiteX18" fmla="*/ 1787611 w 2529016"/>
+              <a:gd name="connsiteY18" fmla="*/ 164757 h 1318073"/>
+              <a:gd name="connsiteX19" fmla="*/ 1754659 w 2529016"/>
+              <a:gd name="connsiteY19" fmla="*/ 181233 h 1318073"/>
+              <a:gd name="connsiteX20" fmla="*/ 1705232 w 2529016"/>
+              <a:gd name="connsiteY20" fmla="*/ 238898 h 1318073"/>
+              <a:gd name="connsiteX21" fmla="*/ 1655805 w 2529016"/>
+              <a:gd name="connsiteY21" fmla="*/ 263611 h 1318073"/>
+              <a:gd name="connsiteX22" fmla="*/ 1589903 w 2529016"/>
+              <a:gd name="connsiteY22" fmla="*/ 329514 h 1318073"/>
+              <a:gd name="connsiteX23" fmla="*/ 1491049 w 2529016"/>
+              <a:gd name="connsiteY23" fmla="*/ 428368 h 1318073"/>
+              <a:gd name="connsiteX24" fmla="*/ 1466335 w 2529016"/>
+              <a:gd name="connsiteY24" fmla="*/ 461319 h 1318073"/>
+              <a:gd name="connsiteX25" fmla="*/ 1433384 w 2529016"/>
+              <a:gd name="connsiteY25" fmla="*/ 527222 h 1318073"/>
+              <a:gd name="connsiteX26" fmla="*/ 1392195 w 2529016"/>
+              <a:gd name="connsiteY26" fmla="*/ 551936 h 1318073"/>
+              <a:gd name="connsiteX27" fmla="*/ 1367481 w 2529016"/>
+              <a:gd name="connsiteY27" fmla="*/ 584887 h 1318073"/>
+              <a:gd name="connsiteX28" fmla="*/ 1318054 w 2529016"/>
+              <a:gd name="connsiteY28" fmla="*/ 634314 h 1318073"/>
+              <a:gd name="connsiteX29" fmla="*/ 1293340 w 2529016"/>
+              <a:gd name="connsiteY29" fmla="*/ 675503 h 1318073"/>
+              <a:gd name="connsiteX30" fmla="*/ 1194486 w 2529016"/>
+              <a:gd name="connsiteY30" fmla="*/ 782595 h 1318073"/>
+              <a:gd name="connsiteX31" fmla="*/ 1169773 w 2529016"/>
+              <a:gd name="connsiteY31" fmla="*/ 823784 h 1318073"/>
+              <a:gd name="connsiteX32" fmla="*/ 1136822 w 2529016"/>
+              <a:gd name="connsiteY32" fmla="*/ 848498 h 1318073"/>
+              <a:gd name="connsiteX33" fmla="*/ 1087395 w 2529016"/>
+              <a:gd name="connsiteY33" fmla="*/ 897925 h 1318073"/>
+              <a:gd name="connsiteX34" fmla="*/ 1046205 w 2529016"/>
+              <a:gd name="connsiteY34" fmla="*/ 922638 h 1318073"/>
+              <a:gd name="connsiteX35" fmla="*/ 1013254 w 2529016"/>
+              <a:gd name="connsiteY35" fmla="*/ 955590 h 1318073"/>
+              <a:gd name="connsiteX36" fmla="*/ 897924 w 2529016"/>
+              <a:gd name="connsiteY36" fmla="*/ 1029730 h 1318073"/>
+              <a:gd name="connsiteX37" fmla="*/ 823784 w 2529016"/>
+              <a:gd name="connsiteY37" fmla="*/ 1079157 h 1318073"/>
+              <a:gd name="connsiteX38" fmla="*/ 774357 w 2529016"/>
+              <a:gd name="connsiteY38" fmla="*/ 1120346 h 1318073"/>
+              <a:gd name="connsiteX39" fmla="*/ 700216 w 2529016"/>
+              <a:gd name="connsiteY39" fmla="*/ 1145060 h 1318073"/>
+              <a:gd name="connsiteX40" fmla="*/ 576649 w 2529016"/>
+              <a:gd name="connsiteY40" fmla="*/ 1219200 h 1318073"/>
+              <a:gd name="connsiteX41" fmla="*/ 502508 w 2529016"/>
+              <a:gd name="connsiteY41" fmla="*/ 1243914 h 1318073"/>
+              <a:gd name="connsiteX42" fmla="*/ 345989 w 2529016"/>
+              <a:gd name="connsiteY42" fmla="*/ 1252152 h 1318073"/>
+              <a:gd name="connsiteX43" fmla="*/ 247135 w 2529016"/>
+              <a:gd name="connsiteY43" fmla="*/ 1276865 h 1318073"/>
+              <a:gd name="connsiteX44" fmla="*/ 131805 w 2529016"/>
+              <a:gd name="connsiteY44" fmla="*/ 1301579 h 1318073"/>
+              <a:gd name="connsiteX45" fmla="*/ 0 w 2529016"/>
+              <a:gd name="connsiteY45" fmla="*/ 1318054 h 1318073"/>
+            </a:gdLst>
+            <a:ahLst/>
+            <a:cxnLst>
+              <a:cxn ang="0">
+                <a:pos x="connsiteX0" y="connsiteY0"/>
+              </a:cxn>
+              <a:cxn ang="0">
+                <a:pos x="connsiteX1" y="connsiteY1"/>
+              </a:cxn>
+              <a:cxn ang="0">
+                <a:pos x="connsiteX2" y="connsiteY2"/>
+              </a:cxn>
+              <a:cxn ang="0">
+                <a:pos x="connsiteX3" y="connsiteY3"/>
+              </a:cxn>
+              <a:cxn ang="0">
+                <a:pos x="connsiteX4" y="connsiteY4"/>
+              </a:cxn>
+              <a:cxn ang="0">
+                <a:pos x="connsiteX5" y="connsiteY5"/>
+              </a:cxn>
+              <a:cxn ang="0">
+                <a:pos x="connsiteX6" y="connsiteY6"/>
+              </a:cxn>
+              <a:cxn ang="0">
+                <a:pos x="connsiteX7" y="connsiteY7"/>
+              </a:cxn>
+              <a:cxn ang="0">
+                <a:pos x="connsiteX8" y="connsiteY8"/>
+              </a:cxn>
+              <a:cxn ang="0">
+                <a:pos x="connsiteX9" y="connsiteY9"/>
+              </a:cxn>
+              <a:cxn ang="0">
+                <a:pos x="connsiteX10" y="connsiteY10"/>
+              </a:cxn>
+              <a:cxn ang="0">
+                <a:pos x="connsiteX11" y="connsiteY11"/>
+              </a:cxn>
+              <a:cxn ang="0">
+                <a:pos x="connsiteX12" y="connsiteY12"/>
+              </a:cxn>
+              <a:cxn ang="0">
+                <a:pos x="connsiteX13" y="connsiteY13"/>
+              </a:cxn>
+              <a:cxn ang="0">
+                <a:pos x="connsiteX14" y="connsiteY14"/>
+              </a:cxn>
+              <a:cxn ang="0">
+                <a:pos x="connsiteX15" y="connsiteY15"/>
+              </a:cxn>
+              <a:cxn ang="0">
+                <a:pos x="connsiteX16" y="connsiteY16"/>
+              </a:cxn>
+              <a:cxn ang="0">
+                <a:pos x="connsiteX17" y="connsiteY17"/>
+              </a:cxn>
+              <a:cxn ang="0">
+                <a:pos x="connsiteX18" y="connsiteY18"/>
+              </a:cxn>
+              <a:cxn ang="0">
+                <a:pos x="connsiteX19" y="connsiteY19"/>
+              </a:cxn>
+              <a:cxn ang="0">
+                <a:pos x="connsiteX20" y="connsiteY20"/>
+              </a:cxn>
+              <a:cxn ang="0">
+                <a:pos x="connsiteX21" y="connsiteY21"/>
+              </a:cxn>
+              <a:cxn ang="0">
+                <a:pos x="connsiteX22" y="connsiteY22"/>
+              </a:cxn>
+              <a:cxn ang="0">
+                <a:pos x="connsiteX23" y="connsiteY23"/>
+              </a:cxn>
+              <a:cxn ang="0">
+                <a:pos x="connsiteX24" y="connsiteY24"/>
+              </a:cxn>
+              <a:cxn ang="0">
+                <a:pos x="connsiteX25" y="connsiteY25"/>
+              </a:cxn>
+              <a:cxn ang="0">
+                <a:pos x="connsiteX26" y="connsiteY26"/>
+              </a:cxn>
+              <a:cxn ang="0">
+                <a:pos x="connsiteX27" y="connsiteY27"/>
+              </a:cxn>
+              <a:cxn ang="0">
+                <a:pos x="connsiteX28" y="connsiteY28"/>
+              </a:cxn>
+              <a:cxn ang="0">
+                <a:pos x="connsiteX29" y="connsiteY29"/>
+              </a:cxn>
+              <a:cxn ang="0">
+                <a:pos x="connsiteX30" y="connsiteY30"/>
+              </a:cxn>
+              <a:cxn ang="0">
+                <a:pos x="connsiteX31" y="connsiteY31"/>
+              </a:cxn>
+              <a:cxn ang="0">
+                <a:pos x="connsiteX32" y="connsiteY32"/>
+              </a:cxn>
+              <a:cxn ang="0">
+                <a:pos x="connsiteX33" y="connsiteY33"/>
+              </a:cxn>
+              <a:cxn ang="0">
+                <a:pos x="connsiteX34" y="connsiteY34"/>
+              </a:cxn>
+              <a:cxn ang="0">
+                <a:pos x="connsiteX35" y="connsiteY35"/>
+              </a:cxn>
+              <a:cxn ang="0">
+                <a:pos x="connsiteX36" y="connsiteY36"/>
+              </a:cxn>
+              <a:cxn ang="0">
+                <a:pos x="connsiteX37" y="connsiteY37"/>
+              </a:cxn>
+              <a:cxn ang="0">
+                <a:pos x="connsiteX38" y="connsiteY38"/>
+              </a:cxn>
+              <a:cxn ang="0">
+                <a:pos x="connsiteX39" y="connsiteY39"/>
+              </a:cxn>
+              <a:cxn ang="0">
+                <a:pos x="connsiteX40" y="connsiteY40"/>
+              </a:cxn>
+              <a:cxn ang="0">
+                <a:pos x="connsiteX41" y="connsiteY41"/>
+              </a:cxn>
+              <a:cxn ang="0">
+                <a:pos x="connsiteX42" y="connsiteY42"/>
+              </a:cxn>
+              <a:cxn ang="0">
+                <a:pos x="connsiteX43" y="connsiteY43"/>
+              </a:cxn>
+              <a:cxn ang="0">
+                <a:pos x="connsiteX44" y="connsiteY44"/>
+              </a:cxn>
+              <a:cxn ang="0">
+                <a:pos x="connsiteX45" y="connsiteY45"/>
+              </a:cxn>
+            </a:cxnLst>
+            <a:rect l="l" t="t" r="r" b="b"/>
+            <a:pathLst>
+              <a:path w="2529016" h="1318073">
+                <a:moveTo>
+                  <a:pt x="2529016" y="848498"/>
+                </a:moveTo>
+                <a:cubicBezTo>
+                  <a:pt x="2526270" y="733168"/>
+                  <a:pt x="2528286" y="617626"/>
+                  <a:pt x="2520778" y="502508"/>
+                </a:cubicBezTo>
+                <a:cubicBezTo>
+                  <a:pt x="2519979" y="490254"/>
+                  <a:pt x="2507281" y="481470"/>
+                  <a:pt x="2504303" y="469557"/>
+                </a:cubicBezTo>
+                <a:cubicBezTo>
+                  <a:pt x="2498934" y="448079"/>
+                  <a:pt x="2500407" y="425363"/>
+                  <a:pt x="2496065" y="403654"/>
+                </a:cubicBezTo>
+                <a:cubicBezTo>
+                  <a:pt x="2492144" y="384052"/>
+                  <a:pt x="2484084" y="365469"/>
+                  <a:pt x="2479589" y="345990"/>
+                </a:cubicBezTo>
+                <a:cubicBezTo>
+                  <a:pt x="2475833" y="329715"/>
+                  <a:pt x="2476633" y="312409"/>
+                  <a:pt x="2471351" y="296563"/>
+                </a:cubicBezTo>
+                <a:cubicBezTo>
+                  <a:pt x="2465526" y="279088"/>
+                  <a:pt x="2453723" y="264139"/>
+                  <a:pt x="2446638" y="247136"/>
+                </a:cubicBezTo>
+                <a:cubicBezTo>
+                  <a:pt x="2439958" y="231105"/>
+                  <a:pt x="2434732" y="214463"/>
+                  <a:pt x="2430162" y="197708"/>
+                </a:cubicBezTo>
+                <a:cubicBezTo>
+                  <a:pt x="2426478" y="184200"/>
+                  <a:pt x="2428186" y="169042"/>
+                  <a:pt x="2421924" y="156519"/>
+                </a:cubicBezTo>
+                <a:cubicBezTo>
+                  <a:pt x="2416714" y="146099"/>
+                  <a:pt x="2404736" y="140699"/>
+                  <a:pt x="2397211" y="131806"/>
+                </a:cubicBezTo>
+                <a:cubicBezTo>
+                  <a:pt x="2374496" y="104961"/>
+                  <a:pt x="2362761" y="65153"/>
+                  <a:pt x="2331308" y="49427"/>
+                </a:cubicBezTo>
+                <a:cubicBezTo>
+                  <a:pt x="2270893" y="19221"/>
+                  <a:pt x="2327433" y="43877"/>
+                  <a:pt x="2257168" y="24714"/>
+                </a:cubicBezTo>
+                <a:cubicBezTo>
+                  <a:pt x="2157659" y="-2425"/>
+                  <a:pt x="2260330" y="15751"/>
+                  <a:pt x="2150076" y="0"/>
+                </a:cubicBezTo>
+                <a:cubicBezTo>
+                  <a:pt x="2103395" y="2746"/>
+                  <a:pt x="2055968" y="-512"/>
+                  <a:pt x="2010032" y="8238"/>
+                </a:cubicBezTo>
+                <a:cubicBezTo>
+                  <a:pt x="1996545" y="10807"/>
+                  <a:pt x="1988854" y="25888"/>
+                  <a:pt x="1977081" y="32952"/>
+                </a:cubicBezTo>
+                <a:cubicBezTo>
+                  <a:pt x="1961286" y="42429"/>
+                  <a:pt x="1944130" y="49427"/>
+                  <a:pt x="1927654" y="57665"/>
+                </a:cubicBezTo>
+                <a:cubicBezTo>
+                  <a:pt x="1911178" y="74141"/>
+                  <a:pt x="1897187" y="93549"/>
+                  <a:pt x="1878227" y="107092"/>
+                </a:cubicBezTo>
+                <a:cubicBezTo>
+                  <a:pt x="1858241" y="121368"/>
+                  <a:pt x="1833045" y="126858"/>
+                  <a:pt x="1812324" y="140044"/>
+                </a:cubicBezTo>
+                <a:cubicBezTo>
+                  <a:pt x="1802496" y="146299"/>
+                  <a:pt x="1797091" y="157986"/>
+                  <a:pt x="1787611" y="164757"/>
+                </a:cubicBezTo>
+                <a:cubicBezTo>
+                  <a:pt x="1777618" y="171895"/>
+                  <a:pt x="1764652" y="174095"/>
+                  <a:pt x="1754659" y="181233"/>
+                </a:cubicBezTo>
+                <a:cubicBezTo>
+                  <a:pt x="1639759" y="263304"/>
+                  <a:pt x="1831785" y="140468"/>
+                  <a:pt x="1705232" y="238898"/>
+                </a:cubicBezTo>
+                <a:cubicBezTo>
+                  <a:pt x="1690692" y="250207"/>
+                  <a:pt x="1672281" y="255373"/>
+                  <a:pt x="1655805" y="263611"/>
+                </a:cubicBezTo>
+                <a:cubicBezTo>
+                  <a:pt x="1589906" y="373444"/>
+                  <a:pt x="1677770" y="241647"/>
+                  <a:pt x="1589903" y="329514"/>
+                </a:cubicBezTo>
+                <a:cubicBezTo>
+                  <a:pt x="1474197" y="445220"/>
+                  <a:pt x="1583740" y="372752"/>
+                  <a:pt x="1491049" y="428368"/>
+                </a:cubicBezTo>
+                <a:cubicBezTo>
+                  <a:pt x="1482811" y="439352"/>
+                  <a:pt x="1473253" y="449460"/>
+                  <a:pt x="1466335" y="461319"/>
+                </a:cubicBezTo>
+                <a:cubicBezTo>
+                  <a:pt x="1453960" y="482534"/>
+                  <a:pt x="1448937" y="508213"/>
+                  <a:pt x="1433384" y="527222"/>
+                </a:cubicBezTo>
+                <a:cubicBezTo>
+                  <a:pt x="1423245" y="539614"/>
+                  <a:pt x="1405925" y="543698"/>
+                  <a:pt x="1392195" y="551936"/>
+                </a:cubicBezTo>
+                <a:cubicBezTo>
+                  <a:pt x="1383957" y="562920"/>
+                  <a:pt x="1376666" y="574682"/>
+                  <a:pt x="1367481" y="584887"/>
+                </a:cubicBezTo>
+                <a:cubicBezTo>
+                  <a:pt x="1351894" y="602206"/>
+                  <a:pt x="1332809" y="616281"/>
+                  <a:pt x="1318054" y="634314"/>
+                </a:cubicBezTo>
+                <a:cubicBezTo>
+                  <a:pt x="1307915" y="646706"/>
+                  <a:pt x="1302947" y="662694"/>
+                  <a:pt x="1293340" y="675503"/>
+                </a:cubicBezTo>
+                <a:cubicBezTo>
+                  <a:pt x="1179308" y="827545"/>
+                  <a:pt x="1307318" y="644688"/>
+                  <a:pt x="1194486" y="782595"/>
+                </a:cubicBezTo>
+                <a:cubicBezTo>
+                  <a:pt x="1184347" y="794987"/>
+                  <a:pt x="1180316" y="811734"/>
+                  <a:pt x="1169773" y="823784"/>
+                </a:cubicBezTo>
+                <a:cubicBezTo>
+                  <a:pt x="1160732" y="834117"/>
+                  <a:pt x="1147027" y="839313"/>
+                  <a:pt x="1136822" y="848498"/>
+                </a:cubicBezTo>
+                <a:cubicBezTo>
+                  <a:pt x="1119503" y="864085"/>
+                  <a:pt x="1105428" y="883171"/>
+                  <a:pt x="1087395" y="897925"/>
+                </a:cubicBezTo>
+                <a:cubicBezTo>
+                  <a:pt x="1075003" y="908064"/>
+                  <a:pt x="1058844" y="912808"/>
+                  <a:pt x="1046205" y="922638"/>
+                </a:cubicBezTo>
+                <a:cubicBezTo>
+                  <a:pt x="1033944" y="932175"/>
+                  <a:pt x="1025187" y="945646"/>
+                  <a:pt x="1013254" y="955590"/>
+                </a:cubicBezTo>
+                <a:cubicBezTo>
+                  <a:pt x="952776" y="1005989"/>
+                  <a:pt x="958387" y="999499"/>
+                  <a:pt x="897924" y="1029730"/>
+                </a:cubicBezTo>
+                <a:cubicBezTo>
+                  <a:pt x="841263" y="1086393"/>
+                  <a:pt x="913551" y="1019313"/>
+                  <a:pt x="823784" y="1079157"/>
+                </a:cubicBezTo>
+                <a:cubicBezTo>
+                  <a:pt x="805939" y="1091053"/>
+                  <a:pt x="793280" y="1110254"/>
+                  <a:pt x="774357" y="1120346"/>
+                </a:cubicBezTo>
+                <a:cubicBezTo>
+                  <a:pt x="751371" y="1132605"/>
+                  <a:pt x="700216" y="1145060"/>
+                  <a:pt x="700216" y="1145060"/>
+                </a:cubicBezTo>
+                <a:cubicBezTo>
+                  <a:pt x="652776" y="1180640"/>
+                  <a:pt x="646650" y="1187699"/>
+                  <a:pt x="576649" y="1219200"/>
+                </a:cubicBezTo>
+                <a:cubicBezTo>
+                  <a:pt x="552893" y="1229890"/>
+                  <a:pt x="528297" y="1240230"/>
+                  <a:pt x="502508" y="1243914"/>
+                </a:cubicBezTo>
+                <a:cubicBezTo>
+                  <a:pt x="450788" y="1251303"/>
+                  <a:pt x="398162" y="1249406"/>
+                  <a:pt x="345989" y="1252152"/>
+                </a:cubicBezTo>
+                <a:cubicBezTo>
+                  <a:pt x="211496" y="1296981"/>
+                  <a:pt x="380266" y="1243582"/>
+                  <a:pt x="247135" y="1276865"/>
+                </a:cubicBezTo>
+                <a:cubicBezTo>
+                  <a:pt x="111065" y="1310883"/>
+                  <a:pt x="298617" y="1277749"/>
+                  <a:pt x="131805" y="1301579"/>
+                </a:cubicBezTo>
+                <a:cubicBezTo>
+                  <a:pt x="7709" y="1319307"/>
+                  <a:pt x="62851" y="1318054"/>
+                  <a:pt x="0" y="1318054"/>
+                </a:cubicBezTo>
+              </a:path>
+            </a:pathLst>
+          </a:custGeom>
+          <a:noFill/>
+          <a:ln w="28575">
+            <a:solidFill>
+              <a:schemeClr val="accent1"/>
+            </a:solidFill>
+          </a:ln>
+        </p:spPr>
+        <p:style>
+          <a:lnRef idx="2">
+            <a:schemeClr val="accent1">
+              <a:shade val="15000"/>
+            </a:schemeClr>
+          </a:lnRef>
+          <a:fillRef idx="1">
+            <a:schemeClr val="accent1"/>
+          </a:fillRef>
+          <a:effectRef idx="0">
+            <a:schemeClr val="accent1"/>
+          </a:effectRef>
+          <a:fontRef idx="minor">
+            <a:schemeClr val="lt1"/>
+          </a:fontRef>
+        </p:style>
+        <p:txBody>
+          <a:bodyPr rtlCol="0" anchor="ctr"/>
+          <a:lstStyle/>
+          <a:p>
+            <a:pPr algn="ctr"/>
+            <a:endParaRPr lang="zh-CN" altLang="en-US"/>
+          </a:p>
+        </p:txBody>
+      </p:sp>
+      <p:sp>
+        <p:nvSpPr>
+          <p:cNvPr id="18" name="任意多边形: 形状 17">
+            <a:extLst>
+              <a:ext uri="{FF2B5EF4-FFF2-40B4-BE49-F238E27FC236}">
+                <a16:creationId xmlns:a16="http://schemas.microsoft.com/office/drawing/2014/main" id="{C9F04A49-6362-BFA3-0DAA-3289AC79412C}"/>
+              </a:ext>
+            </a:extLst>
+          </p:cNvPr>
+          <p:cNvSpPr/>
+          <p:nvPr/>
+        </p:nvSpPr>
+        <p:spPr>
+          <a:xfrm>
+            <a:off x="6895070" y="2182554"/>
+            <a:ext cx="2150076" cy="976394"/>
+          </a:xfrm>
+          <a:custGeom>
+            <a:avLst/>
+            <a:gdLst>
+              <a:gd name="connsiteX0" fmla="*/ 2150076 w 2150076"/>
+              <a:gd name="connsiteY0" fmla="*/ 280560 h 976394"/>
+              <a:gd name="connsiteX1" fmla="*/ 2125362 w 2150076"/>
+              <a:gd name="connsiteY1" fmla="*/ 189943 h 976394"/>
+              <a:gd name="connsiteX2" fmla="*/ 2117125 w 2150076"/>
+              <a:gd name="connsiteY2" fmla="*/ 124041 h 976394"/>
+              <a:gd name="connsiteX3" fmla="*/ 2100649 w 2150076"/>
+              <a:gd name="connsiteY3" fmla="*/ 99327 h 976394"/>
+              <a:gd name="connsiteX4" fmla="*/ 2026508 w 2150076"/>
+              <a:gd name="connsiteY4" fmla="*/ 41662 h 976394"/>
+              <a:gd name="connsiteX5" fmla="*/ 2001795 w 2150076"/>
+              <a:gd name="connsiteY5" fmla="*/ 16949 h 976394"/>
+              <a:gd name="connsiteX6" fmla="*/ 1944130 w 2150076"/>
+              <a:gd name="connsiteY6" fmla="*/ 473 h 976394"/>
+              <a:gd name="connsiteX7" fmla="*/ 1647568 w 2150076"/>
+              <a:gd name="connsiteY7" fmla="*/ 49900 h 976394"/>
+              <a:gd name="connsiteX8" fmla="*/ 1606379 w 2150076"/>
+              <a:gd name="connsiteY8" fmla="*/ 99327 h 976394"/>
+              <a:gd name="connsiteX9" fmla="*/ 1573427 w 2150076"/>
+              <a:gd name="connsiteY9" fmla="*/ 156992 h 976394"/>
+              <a:gd name="connsiteX10" fmla="*/ 1548714 w 2150076"/>
+              <a:gd name="connsiteY10" fmla="*/ 198181 h 976394"/>
+              <a:gd name="connsiteX11" fmla="*/ 1524000 w 2150076"/>
+              <a:gd name="connsiteY11" fmla="*/ 231132 h 976394"/>
+              <a:gd name="connsiteX12" fmla="*/ 1499287 w 2150076"/>
+              <a:gd name="connsiteY12" fmla="*/ 272322 h 976394"/>
+              <a:gd name="connsiteX13" fmla="*/ 1449860 w 2150076"/>
+              <a:gd name="connsiteY13" fmla="*/ 346462 h 976394"/>
+              <a:gd name="connsiteX14" fmla="*/ 1425146 w 2150076"/>
+              <a:gd name="connsiteY14" fmla="*/ 379414 h 976394"/>
+              <a:gd name="connsiteX15" fmla="*/ 1400433 w 2150076"/>
+              <a:gd name="connsiteY15" fmla="*/ 395889 h 976394"/>
+              <a:gd name="connsiteX16" fmla="*/ 1309816 w 2150076"/>
+              <a:gd name="connsiteY16" fmla="*/ 494743 h 976394"/>
+              <a:gd name="connsiteX17" fmla="*/ 1285103 w 2150076"/>
+              <a:gd name="connsiteY17" fmla="*/ 502981 h 976394"/>
+              <a:gd name="connsiteX18" fmla="*/ 1252152 w 2150076"/>
+              <a:gd name="connsiteY18" fmla="*/ 527695 h 976394"/>
+              <a:gd name="connsiteX19" fmla="*/ 1227438 w 2150076"/>
+              <a:gd name="connsiteY19" fmla="*/ 552408 h 976394"/>
+              <a:gd name="connsiteX20" fmla="*/ 1178011 w 2150076"/>
+              <a:gd name="connsiteY20" fmla="*/ 577122 h 976394"/>
+              <a:gd name="connsiteX21" fmla="*/ 1136822 w 2150076"/>
+              <a:gd name="connsiteY21" fmla="*/ 601835 h 976394"/>
+              <a:gd name="connsiteX22" fmla="*/ 1079157 w 2150076"/>
+              <a:gd name="connsiteY22" fmla="*/ 643024 h 976394"/>
+              <a:gd name="connsiteX23" fmla="*/ 1037968 w 2150076"/>
+              <a:gd name="connsiteY23" fmla="*/ 667738 h 976394"/>
+              <a:gd name="connsiteX24" fmla="*/ 980303 w 2150076"/>
+              <a:gd name="connsiteY24" fmla="*/ 700689 h 976394"/>
+              <a:gd name="connsiteX25" fmla="*/ 914400 w 2150076"/>
+              <a:gd name="connsiteY25" fmla="*/ 741878 h 976394"/>
+              <a:gd name="connsiteX26" fmla="*/ 881449 w 2150076"/>
+              <a:gd name="connsiteY26" fmla="*/ 774830 h 976394"/>
+              <a:gd name="connsiteX27" fmla="*/ 832022 w 2150076"/>
+              <a:gd name="connsiteY27" fmla="*/ 791305 h 976394"/>
+              <a:gd name="connsiteX28" fmla="*/ 766119 w 2150076"/>
+              <a:gd name="connsiteY28" fmla="*/ 824257 h 976394"/>
+              <a:gd name="connsiteX29" fmla="*/ 716692 w 2150076"/>
+              <a:gd name="connsiteY29" fmla="*/ 840732 h 976394"/>
+              <a:gd name="connsiteX30" fmla="*/ 667265 w 2150076"/>
+              <a:gd name="connsiteY30" fmla="*/ 865446 h 976394"/>
+              <a:gd name="connsiteX31" fmla="*/ 609600 w 2150076"/>
+              <a:gd name="connsiteY31" fmla="*/ 873684 h 976394"/>
+              <a:gd name="connsiteX32" fmla="*/ 436606 w 2150076"/>
+              <a:gd name="connsiteY32" fmla="*/ 939587 h 976394"/>
+              <a:gd name="connsiteX33" fmla="*/ 370703 w 2150076"/>
+              <a:gd name="connsiteY33" fmla="*/ 947824 h 976394"/>
+              <a:gd name="connsiteX34" fmla="*/ 321276 w 2150076"/>
+              <a:gd name="connsiteY34" fmla="*/ 964300 h 976394"/>
+              <a:gd name="connsiteX35" fmla="*/ 74141 w 2150076"/>
+              <a:gd name="connsiteY35" fmla="*/ 956062 h 976394"/>
+              <a:gd name="connsiteX36" fmla="*/ 41189 w 2150076"/>
+              <a:gd name="connsiteY36" fmla="*/ 939587 h 976394"/>
+              <a:gd name="connsiteX37" fmla="*/ 0 w 2150076"/>
+              <a:gd name="connsiteY37" fmla="*/ 931349 h 976394"/>
+            </a:gdLst>
+            <a:ahLst/>
+            <a:cxnLst>
+              <a:cxn ang="0">
+                <a:pos x="connsiteX0" y="connsiteY0"/>
+              </a:cxn>
+              <a:cxn ang="0">
+                <a:pos x="connsiteX1" y="connsiteY1"/>
+              </a:cxn>
+              <a:cxn ang="0">
+                <a:pos x="connsiteX2" y="connsiteY2"/>
+              </a:cxn>
+              <a:cxn ang="0">
+                <a:pos x="connsiteX3" y="connsiteY3"/>
+              </a:cxn>
+              <a:cxn ang="0">
+                <a:pos x="connsiteX4" y="connsiteY4"/>
+              </a:cxn>
+              <a:cxn ang="0">
+                <a:pos x="connsiteX5" y="connsiteY5"/>
+              </a:cxn>
+              <a:cxn ang="0">
+                <a:pos x="connsiteX6" y="connsiteY6"/>
+              </a:cxn>
+              <a:cxn ang="0">
+                <a:pos x="connsiteX7" y="connsiteY7"/>
+              </a:cxn>
+              <a:cxn ang="0">
+                <a:pos x="connsiteX8" y="connsiteY8"/>
+              </a:cxn>
+              <a:cxn ang="0">
+                <a:pos x="connsiteX9" y="connsiteY9"/>
+              </a:cxn>
+              <a:cxn ang="0">
+                <a:pos x="connsiteX10" y="connsiteY10"/>
+              </a:cxn>
+              <a:cxn ang="0">
+                <a:pos x="connsiteX11" y="connsiteY11"/>
+              </a:cxn>
+              <a:cxn ang="0">
+                <a:pos x="connsiteX12" y="connsiteY12"/>
+              </a:cxn>
+              <a:cxn ang="0">
+                <a:pos x="connsiteX13" y="connsiteY13"/>
+              </a:cxn>
+              <a:cxn ang="0">
+                <a:pos x="connsiteX14" y="connsiteY14"/>
+              </a:cxn>
+              <a:cxn ang="0">
+                <a:pos x="connsiteX15" y="connsiteY15"/>
+              </a:cxn>
+              <a:cxn ang="0">
+                <a:pos x="connsiteX16" y="connsiteY16"/>
+              </a:cxn>
+              <a:cxn ang="0">
+                <a:pos x="connsiteX17" y="connsiteY17"/>
+              </a:cxn>
+              <a:cxn ang="0">
+                <a:pos x="connsiteX18" y="connsiteY18"/>
+              </a:cxn>
+              <a:cxn ang="0">
+                <a:pos x="connsiteX19" y="connsiteY19"/>
+              </a:cxn>
+              <a:cxn ang="0">
+                <a:pos x="connsiteX20" y="connsiteY20"/>
+              </a:cxn>
+              <a:cxn ang="0">
+                <a:pos x="connsiteX21" y="connsiteY21"/>
+              </a:cxn>
+              <a:cxn ang="0">
+                <a:pos x="connsiteX22" y="connsiteY22"/>
+              </a:cxn>
+              <a:cxn ang="0">
+                <a:pos x="connsiteX23" y="connsiteY23"/>
+              </a:cxn>
+              <a:cxn ang="0">
+                <a:pos x="connsiteX24" y="connsiteY24"/>
+              </a:cxn>
+              <a:cxn ang="0">
+                <a:pos x="connsiteX25" y="connsiteY25"/>
+              </a:cxn>
+              <a:cxn ang="0">
+                <a:pos x="connsiteX26" y="connsiteY26"/>
+              </a:cxn>
+              <a:cxn ang="0">
+                <a:pos x="connsiteX27" y="connsiteY27"/>
+              </a:cxn>
+              <a:cxn ang="0">
+                <a:pos x="connsiteX28" y="connsiteY28"/>
+              </a:cxn>
+              <a:cxn ang="0">
+                <a:pos x="connsiteX29" y="connsiteY29"/>
+              </a:cxn>
+              <a:cxn ang="0">
+                <a:pos x="connsiteX30" y="connsiteY30"/>
+              </a:cxn>
+              <a:cxn ang="0">
+                <a:pos x="connsiteX31" y="connsiteY31"/>
+              </a:cxn>
+              <a:cxn ang="0">
+                <a:pos x="connsiteX32" y="connsiteY32"/>
+              </a:cxn>
+              <a:cxn ang="0">
+                <a:pos x="connsiteX33" y="connsiteY33"/>
+              </a:cxn>
+              <a:cxn ang="0">
+                <a:pos x="connsiteX34" y="connsiteY34"/>
+              </a:cxn>
+              <a:cxn ang="0">
+                <a:pos x="connsiteX35" y="connsiteY35"/>
+              </a:cxn>
+              <a:cxn ang="0">
+                <a:pos x="connsiteX36" y="connsiteY36"/>
+              </a:cxn>
+              <a:cxn ang="0">
+                <a:pos x="connsiteX37" y="connsiteY37"/>
+              </a:cxn>
+            </a:cxnLst>
+            <a:rect l="l" t="t" r="r" b="b"/>
+            <a:pathLst>
+              <a:path w="2150076" h="976394">
+                <a:moveTo>
+                  <a:pt x="2150076" y="280560"/>
+                </a:moveTo>
+                <a:cubicBezTo>
+                  <a:pt x="2141838" y="250354"/>
+                  <a:pt x="2131812" y="220580"/>
+                  <a:pt x="2125362" y="189943"/>
+                </a:cubicBezTo>
+                <a:cubicBezTo>
+                  <a:pt x="2120801" y="168280"/>
+                  <a:pt x="2122950" y="145399"/>
+                  <a:pt x="2117125" y="124041"/>
+                </a:cubicBezTo>
+                <a:cubicBezTo>
+                  <a:pt x="2114520" y="114489"/>
+                  <a:pt x="2107092" y="106844"/>
+                  <a:pt x="2100649" y="99327"/>
+                </a:cubicBezTo>
+                <a:cubicBezTo>
+                  <a:pt x="2055049" y="46127"/>
+                  <a:pt x="2082385" y="83570"/>
+                  <a:pt x="2026508" y="41662"/>
+                </a:cubicBezTo>
+                <a:cubicBezTo>
+                  <a:pt x="2017188" y="34672"/>
+                  <a:pt x="2012215" y="22159"/>
+                  <a:pt x="2001795" y="16949"/>
+                </a:cubicBezTo>
+                <a:cubicBezTo>
+                  <a:pt x="1983915" y="8009"/>
+                  <a:pt x="1963352" y="5965"/>
+                  <a:pt x="1944130" y="473"/>
+                </a:cubicBezTo>
+                <a:cubicBezTo>
+                  <a:pt x="1850489" y="9252"/>
+                  <a:pt x="1722556" y="-25088"/>
+                  <a:pt x="1647568" y="49900"/>
+                </a:cubicBezTo>
+                <a:cubicBezTo>
+                  <a:pt x="1632403" y="65065"/>
+                  <a:pt x="1620109" y="82851"/>
+                  <a:pt x="1606379" y="99327"/>
+                </a:cubicBezTo>
+                <a:cubicBezTo>
+                  <a:pt x="1591696" y="143376"/>
+                  <a:pt x="1606677" y="107118"/>
+                  <a:pt x="1573427" y="156992"/>
+                </a:cubicBezTo>
+                <a:cubicBezTo>
+                  <a:pt x="1564545" y="170314"/>
+                  <a:pt x="1557596" y="184859"/>
+                  <a:pt x="1548714" y="198181"/>
+                </a:cubicBezTo>
+                <a:cubicBezTo>
+                  <a:pt x="1541098" y="209605"/>
+                  <a:pt x="1531616" y="219708"/>
+                  <a:pt x="1524000" y="231132"/>
+                </a:cubicBezTo>
+                <a:cubicBezTo>
+                  <a:pt x="1515118" y="244455"/>
+                  <a:pt x="1507945" y="258853"/>
+                  <a:pt x="1499287" y="272322"/>
+                </a:cubicBezTo>
+                <a:cubicBezTo>
+                  <a:pt x="1483226" y="297307"/>
+                  <a:pt x="1466767" y="322041"/>
+                  <a:pt x="1449860" y="346462"/>
+                </a:cubicBezTo>
+                <a:cubicBezTo>
+                  <a:pt x="1442045" y="357751"/>
+                  <a:pt x="1434855" y="369705"/>
+                  <a:pt x="1425146" y="379414"/>
+                </a:cubicBezTo>
+                <a:cubicBezTo>
+                  <a:pt x="1418145" y="386415"/>
+                  <a:pt x="1407434" y="388888"/>
+                  <a:pt x="1400433" y="395889"/>
+                </a:cubicBezTo>
+                <a:cubicBezTo>
+                  <a:pt x="1353280" y="443042"/>
+                  <a:pt x="1364682" y="452069"/>
+                  <a:pt x="1309816" y="494743"/>
+                </a:cubicBezTo>
+                <a:cubicBezTo>
+                  <a:pt x="1302962" y="500074"/>
+                  <a:pt x="1293341" y="500235"/>
+                  <a:pt x="1285103" y="502981"/>
+                </a:cubicBezTo>
+                <a:cubicBezTo>
+                  <a:pt x="1274119" y="511219"/>
+                  <a:pt x="1262576" y="518760"/>
+                  <a:pt x="1252152" y="527695"/>
+                </a:cubicBezTo>
+                <a:cubicBezTo>
+                  <a:pt x="1243307" y="535277"/>
+                  <a:pt x="1237131" y="545946"/>
+                  <a:pt x="1227438" y="552408"/>
+                </a:cubicBezTo>
+                <a:cubicBezTo>
+                  <a:pt x="1212111" y="562626"/>
+                  <a:pt x="1194182" y="568301"/>
+                  <a:pt x="1178011" y="577122"/>
+                </a:cubicBezTo>
+                <a:cubicBezTo>
+                  <a:pt x="1163955" y="584789"/>
+                  <a:pt x="1150144" y="592954"/>
+                  <a:pt x="1136822" y="601835"/>
+                </a:cubicBezTo>
+                <a:cubicBezTo>
+                  <a:pt x="1117168" y="614938"/>
+                  <a:pt x="1098811" y="629921"/>
+                  <a:pt x="1079157" y="643024"/>
+                </a:cubicBezTo>
+                <a:cubicBezTo>
+                  <a:pt x="1065835" y="651906"/>
+                  <a:pt x="1050777" y="658131"/>
+                  <a:pt x="1037968" y="667738"/>
+                </a:cubicBezTo>
+                <a:cubicBezTo>
+                  <a:pt x="988890" y="704546"/>
+                  <a:pt x="1040453" y="685651"/>
+                  <a:pt x="980303" y="700689"/>
+                </a:cubicBezTo>
+                <a:cubicBezTo>
+                  <a:pt x="958335" y="714419"/>
+                  <a:pt x="935124" y="726335"/>
+                  <a:pt x="914400" y="741878"/>
+                </a:cubicBezTo>
+                <a:cubicBezTo>
+                  <a:pt x="901973" y="751198"/>
+                  <a:pt x="894769" y="766838"/>
+                  <a:pt x="881449" y="774830"/>
+                </a:cubicBezTo>
+                <a:cubicBezTo>
+                  <a:pt x="866557" y="783765"/>
+                  <a:pt x="847985" y="784464"/>
+                  <a:pt x="832022" y="791305"/>
+                </a:cubicBezTo>
+                <a:cubicBezTo>
+                  <a:pt x="809447" y="800980"/>
+                  <a:pt x="788694" y="814582"/>
+                  <a:pt x="766119" y="824257"/>
+                </a:cubicBezTo>
+                <a:cubicBezTo>
+                  <a:pt x="750156" y="831098"/>
+                  <a:pt x="732723" y="834052"/>
+                  <a:pt x="716692" y="840732"/>
+                </a:cubicBezTo>
+                <a:cubicBezTo>
+                  <a:pt x="699689" y="847817"/>
+                  <a:pt x="684871" y="860029"/>
+                  <a:pt x="667265" y="865446"/>
+                </a:cubicBezTo>
+                <a:cubicBezTo>
+                  <a:pt x="648707" y="871156"/>
+                  <a:pt x="628822" y="870938"/>
+                  <a:pt x="609600" y="873684"/>
+                </a:cubicBezTo>
+                <a:cubicBezTo>
+                  <a:pt x="539475" y="908746"/>
+                  <a:pt x="534901" y="913945"/>
+                  <a:pt x="436606" y="939587"/>
+                </a:cubicBezTo>
+                <a:cubicBezTo>
+                  <a:pt x="415184" y="945175"/>
+                  <a:pt x="392671" y="945078"/>
+                  <a:pt x="370703" y="947824"/>
+                </a:cubicBezTo>
+                <a:cubicBezTo>
+                  <a:pt x="354227" y="953316"/>
+                  <a:pt x="337910" y="959310"/>
+                  <a:pt x="321276" y="964300"/>
+                </a:cubicBezTo>
+                <a:cubicBezTo>
+                  <a:pt x="232443" y="990950"/>
+                  <a:pt x="213689" y="966797"/>
+                  <a:pt x="74141" y="956062"/>
+                </a:cubicBezTo>
+                <a:cubicBezTo>
+                  <a:pt x="63157" y="950570"/>
+                  <a:pt x="52839" y="943470"/>
+                  <a:pt x="41189" y="939587"/>
+                </a:cubicBezTo>
+                <a:cubicBezTo>
+                  <a:pt x="27906" y="935159"/>
+                  <a:pt x="0" y="931349"/>
+                  <a:pt x="0" y="931349"/>
+                </a:cubicBezTo>
+              </a:path>
+            </a:pathLst>
+          </a:custGeom>
+          <a:noFill/>
+          <a:ln w="28575"/>
+        </p:spPr>
+        <p:style>
+          <a:lnRef idx="2">
+            <a:schemeClr val="accent1">
+              <a:shade val="15000"/>
+            </a:schemeClr>
+          </a:lnRef>
+          <a:fillRef idx="1">
+            <a:schemeClr val="accent1"/>
+          </a:fillRef>
+          <a:effectRef idx="0">
+            <a:schemeClr val="accent1"/>
+          </a:effectRef>
+          <a:fontRef idx="minor">
+            <a:schemeClr val="lt1"/>
+          </a:fontRef>
+        </p:style>
+        <p:txBody>
+          <a:bodyPr rtlCol="0" anchor="ctr"/>
+          <a:lstStyle/>
+          <a:p>
+            <a:pPr algn="ctr"/>
+            <a:endParaRPr lang="zh-CN" altLang="en-US"/>
+          </a:p>
+        </p:txBody>
+      </p:sp>
+      <p:sp>
+        <p:nvSpPr>
+          <p:cNvPr id="19" name="任意多边形: 形状 18">
+            <a:extLst>
+              <a:ext uri="{FF2B5EF4-FFF2-40B4-BE49-F238E27FC236}">
+                <a16:creationId xmlns:a16="http://schemas.microsoft.com/office/drawing/2014/main" id="{13BCDD92-B0DD-372E-78FB-9A5BE3AFC618}"/>
+              </a:ext>
+            </a:extLst>
+          </p:cNvPr>
+          <p:cNvSpPr/>
+          <p:nvPr/>
+        </p:nvSpPr>
+        <p:spPr>
+          <a:xfrm>
+            <a:off x="6936259" y="1905818"/>
+            <a:ext cx="4121893" cy="2064820"/>
+          </a:xfrm>
+          <a:custGeom>
+            <a:avLst/>
+            <a:gdLst>
+              <a:gd name="connsiteX0" fmla="*/ 0 w 4121893"/>
+              <a:gd name="connsiteY0" fmla="*/ 1438744 h 2064820"/>
+              <a:gd name="connsiteX1" fmla="*/ 477795 w 4121893"/>
+              <a:gd name="connsiteY1" fmla="*/ 1587025 h 2064820"/>
+              <a:gd name="connsiteX2" fmla="*/ 1103871 w 4121893"/>
+              <a:gd name="connsiteY2" fmla="*/ 1817685 h 2064820"/>
+              <a:gd name="connsiteX3" fmla="*/ 1227438 w 4121893"/>
+              <a:gd name="connsiteY3" fmla="*/ 1842398 h 2064820"/>
+              <a:gd name="connsiteX4" fmla="*/ 1499287 w 4121893"/>
+              <a:gd name="connsiteY4" fmla="*/ 1916539 h 2064820"/>
+              <a:gd name="connsiteX5" fmla="*/ 1639330 w 4121893"/>
+              <a:gd name="connsiteY5" fmla="*/ 1957728 h 2064820"/>
+              <a:gd name="connsiteX6" fmla="*/ 1845276 w 4121893"/>
+              <a:gd name="connsiteY6" fmla="*/ 1990679 h 2064820"/>
+              <a:gd name="connsiteX7" fmla="*/ 2059460 w 4121893"/>
+              <a:gd name="connsiteY7" fmla="*/ 2031868 h 2064820"/>
+              <a:gd name="connsiteX8" fmla="*/ 2257168 w 4121893"/>
+              <a:gd name="connsiteY8" fmla="*/ 2040106 h 2064820"/>
+              <a:gd name="connsiteX9" fmla="*/ 2924433 w 4121893"/>
+              <a:gd name="connsiteY9" fmla="*/ 2064820 h 2064820"/>
+              <a:gd name="connsiteX10" fmla="*/ 3690552 w 4121893"/>
+              <a:gd name="connsiteY10" fmla="*/ 2031868 h 2064820"/>
+              <a:gd name="connsiteX11" fmla="*/ 3871784 w 4121893"/>
+              <a:gd name="connsiteY11" fmla="*/ 1933014 h 2064820"/>
+              <a:gd name="connsiteX12" fmla="*/ 4011827 w 4121893"/>
+              <a:gd name="connsiteY12" fmla="*/ 1809447 h 2064820"/>
+              <a:gd name="connsiteX13" fmla="*/ 4061255 w 4121893"/>
+              <a:gd name="connsiteY13" fmla="*/ 1727068 h 2064820"/>
+              <a:gd name="connsiteX14" fmla="*/ 4094206 w 4121893"/>
+              <a:gd name="connsiteY14" fmla="*/ 1636452 h 2064820"/>
+              <a:gd name="connsiteX15" fmla="*/ 4102444 w 4121893"/>
+              <a:gd name="connsiteY15" fmla="*/ 1133944 h 2064820"/>
+              <a:gd name="connsiteX16" fmla="*/ 4053017 w 4121893"/>
+              <a:gd name="connsiteY16" fmla="*/ 895047 h 2064820"/>
+              <a:gd name="connsiteX17" fmla="*/ 3978876 w 4121893"/>
+              <a:gd name="connsiteY17" fmla="*/ 623198 h 2064820"/>
+              <a:gd name="connsiteX18" fmla="*/ 3838833 w 4121893"/>
+              <a:gd name="connsiteY18" fmla="*/ 318398 h 2064820"/>
+              <a:gd name="connsiteX19" fmla="*/ 3641125 w 4121893"/>
+              <a:gd name="connsiteY19" fmla="*/ 95977 h 2064820"/>
+              <a:gd name="connsiteX20" fmla="*/ 3591698 w 4121893"/>
+              <a:gd name="connsiteY20" fmla="*/ 71263 h 2064820"/>
+              <a:gd name="connsiteX21" fmla="*/ 3492844 w 4121893"/>
+              <a:gd name="connsiteY21" fmla="*/ 46550 h 2064820"/>
+              <a:gd name="connsiteX22" fmla="*/ 3171568 w 4121893"/>
+              <a:gd name="connsiteY22" fmla="*/ 38312 h 2064820"/>
+              <a:gd name="connsiteX23" fmla="*/ 3146855 w 4121893"/>
+              <a:gd name="connsiteY23" fmla="*/ 54787 h 2064820"/>
+              <a:gd name="connsiteX24" fmla="*/ 3113903 w 4121893"/>
+              <a:gd name="connsiteY24" fmla="*/ 63025 h 2064820"/>
+              <a:gd name="connsiteX25" fmla="*/ 3072714 w 4121893"/>
+              <a:gd name="connsiteY25" fmla="*/ 87739 h 2064820"/>
+              <a:gd name="connsiteX26" fmla="*/ 2990336 w 4121893"/>
+              <a:gd name="connsiteY26" fmla="*/ 137166 h 2064820"/>
+              <a:gd name="connsiteX27" fmla="*/ 2916195 w 4121893"/>
+              <a:gd name="connsiteY27" fmla="*/ 186593 h 2064820"/>
+              <a:gd name="connsiteX28" fmla="*/ 2899719 w 4121893"/>
+              <a:gd name="connsiteY28" fmla="*/ 211306 h 2064820"/>
+              <a:gd name="connsiteX29" fmla="*/ 2875006 w 4121893"/>
+              <a:gd name="connsiteY29" fmla="*/ 227782 h 2064820"/>
+              <a:gd name="connsiteX30" fmla="*/ 2825579 w 4121893"/>
+              <a:gd name="connsiteY30" fmla="*/ 310160 h 2064820"/>
+              <a:gd name="connsiteX31" fmla="*/ 2776152 w 4121893"/>
+              <a:gd name="connsiteY31" fmla="*/ 359587 h 2064820"/>
+              <a:gd name="connsiteX32" fmla="*/ 2751438 w 4121893"/>
+              <a:gd name="connsiteY32" fmla="*/ 409014 h 2064820"/>
+              <a:gd name="connsiteX33" fmla="*/ 2726725 w 4121893"/>
+              <a:gd name="connsiteY33" fmla="*/ 458441 h 2064820"/>
+              <a:gd name="connsiteX34" fmla="*/ 2693773 w 4121893"/>
+              <a:gd name="connsiteY34" fmla="*/ 524344 h 2064820"/>
+              <a:gd name="connsiteX35" fmla="*/ 2669060 w 4121893"/>
+              <a:gd name="connsiteY35" fmla="*/ 532582 h 2064820"/>
+            </a:gdLst>
+            <a:ahLst/>
+            <a:cxnLst>
+              <a:cxn ang="0">
+                <a:pos x="connsiteX0" y="connsiteY0"/>
+              </a:cxn>
+              <a:cxn ang="0">
+                <a:pos x="connsiteX1" y="connsiteY1"/>
+              </a:cxn>
+              <a:cxn ang="0">
+                <a:pos x="connsiteX2" y="connsiteY2"/>
+              </a:cxn>
+              <a:cxn ang="0">
+                <a:pos x="connsiteX3" y="connsiteY3"/>
+              </a:cxn>
+              <a:cxn ang="0">
+                <a:pos x="connsiteX4" y="connsiteY4"/>
+              </a:cxn>
+              <a:cxn ang="0">
+                <a:pos x="connsiteX5" y="connsiteY5"/>
+              </a:cxn>
+              <a:cxn ang="0">
+                <a:pos x="connsiteX6" y="connsiteY6"/>
+              </a:cxn>
+              <a:cxn ang="0">
+                <a:pos x="connsiteX7" y="connsiteY7"/>
+              </a:cxn>
+              <a:cxn ang="0">
+                <a:pos x="connsiteX8" y="connsiteY8"/>
+              </a:cxn>
+              <a:cxn ang="0">
+                <a:pos x="connsiteX9" y="connsiteY9"/>
+              </a:cxn>
+              <a:cxn ang="0">
+                <a:pos x="connsiteX10" y="connsiteY10"/>
+              </a:cxn>
+              <a:cxn ang="0">
+                <a:pos x="connsiteX11" y="connsiteY11"/>
+              </a:cxn>
+              <a:cxn ang="0">
+                <a:pos x="connsiteX12" y="connsiteY12"/>
+              </a:cxn>
+              <a:cxn ang="0">
+                <a:pos x="connsiteX13" y="connsiteY13"/>
+              </a:cxn>
+              <a:cxn ang="0">
+                <a:pos x="connsiteX14" y="connsiteY14"/>
+              </a:cxn>
+              <a:cxn ang="0">
+                <a:pos x="connsiteX15" y="connsiteY15"/>
+              </a:cxn>
+              <a:cxn ang="0">
+                <a:pos x="connsiteX16" y="connsiteY16"/>
+              </a:cxn>
+              <a:cxn ang="0">
+                <a:pos x="connsiteX17" y="connsiteY17"/>
+              </a:cxn>
+              <a:cxn ang="0">
+                <a:pos x="connsiteX18" y="connsiteY18"/>
+              </a:cxn>
+              <a:cxn ang="0">
+                <a:pos x="connsiteX19" y="connsiteY19"/>
+              </a:cxn>
+              <a:cxn ang="0">
+                <a:pos x="connsiteX20" y="connsiteY20"/>
+              </a:cxn>
+              <a:cxn ang="0">
+                <a:pos x="connsiteX21" y="connsiteY21"/>
+              </a:cxn>
+              <a:cxn ang="0">
+                <a:pos x="connsiteX22" y="connsiteY22"/>
+              </a:cxn>
+              <a:cxn ang="0">
+                <a:pos x="connsiteX23" y="connsiteY23"/>
+              </a:cxn>
+              <a:cxn ang="0">
+                <a:pos x="connsiteX24" y="connsiteY24"/>
+              </a:cxn>
+              <a:cxn ang="0">
+                <a:pos x="connsiteX25" y="connsiteY25"/>
+              </a:cxn>
+              <a:cxn ang="0">
+                <a:pos x="connsiteX26" y="connsiteY26"/>
+              </a:cxn>
+              <a:cxn ang="0">
+                <a:pos x="connsiteX27" y="connsiteY27"/>
+              </a:cxn>
+              <a:cxn ang="0">
+                <a:pos x="connsiteX28" y="connsiteY28"/>
+              </a:cxn>
+              <a:cxn ang="0">
+                <a:pos x="connsiteX29" y="connsiteY29"/>
+              </a:cxn>
+              <a:cxn ang="0">
+                <a:pos x="connsiteX30" y="connsiteY30"/>
+              </a:cxn>
+              <a:cxn ang="0">
+                <a:pos x="connsiteX31" y="connsiteY31"/>
+              </a:cxn>
+              <a:cxn ang="0">
+                <a:pos x="connsiteX32" y="connsiteY32"/>
+              </a:cxn>
+              <a:cxn ang="0">
+                <a:pos x="connsiteX33" y="connsiteY33"/>
+              </a:cxn>
+              <a:cxn ang="0">
+                <a:pos x="connsiteX34" y="connsiteY34"/>
+              </a:cxn>
+              <a:cxn ang="0">
+                <a:pos x="connsiteX35" y="connsiteY35"/>
+              </a:cxn>
+            </a:cxnLst>
+            <a:rect l="l" t="t" r="r" b="b"/>
+            <a:pathLst>
+              <a:path w="4121893" h="2064820">
+                <a:moveTo>
+                  <a:pt x="0" y="1438744"/>
+                </a:moveTo>
+                <a:cubicBezTo>
+                  <a:pt x="213652" y="1598982"/>
+                  <a:pt x="-139697" y="1347589"/>
+                  <a:pt x="477795" y="1587025"/>
+                </a:cubicBezTo>
+                <a:cubicBezTo>
+                  <a:pt x="644658" y="1651727"/>
+                  <a:pt x="912234" y="1762932"/>
+                  <a:pt x="1103871" y="1817685"/>
+                </a:cubicBezTo>
+                <a:cubicBezTo>
+                  <a:pt x="1144260" y="1829225"/>
+                  <a:pt x="1186687" y="1832210"/>
+                  <a:pt x="1227438" y="1842398"/>
+                </a:cubicBezTo>
+                <a:cubicBezTo>
+                  <a:pt x="1318560" y="1865178"/>
+                  <a:pt x="1409178" y="1890036"/>
+                  <a:pt x="1499287" y="1916539"/>
+                </a:cubicBezTo>
+                <a:cubicBezTo>
+                  <a:pt x="1545968" y="1930269"/>
+                  <a:pt x="1591752" y="1947533"/>
+                  <a:pt x="1639330" y="1957728"/>
+                </a:cubicBezTo>
+                <a:cubicBezTo>
+                  <a:pt x="1707309" y="1972295"/>
+                  <a:pt x="1776812" y="1978597"/>
+                  <a:pt x="1845276" y="1990679"/>
+                </a:cubicBezTo>
+                <a:cubicBezTo>
+                  <a:pt x="1916873" y="2003314"/>
+                  <a:pt x="1987275" y="2023206"/>
+                  <a:pt x="2059460" y="2031868"/>
+                </a:cubicBezTo>
+                <a:cubicBezTo>
+                  <a:pt x="2124950" y="2039727"/>
+                  <a:pt x="2191318" y="2036307"/>
+                  <a:pt x="2257168" y="2040106"/>
+                </a:cubicBezTo>
+                <a:cubicBezTo>
+                  <a:pt x="2765996" y="2069462"/>
+                  <a:pt x="2159644" y="2050390"/>
+                  <a:pt x="2924433" y="2064820"/>
+                </a:cubicBezTo>
+                <a:cubicBezTo>
+                  <a:pt x="3179806" y="2053836"/>
+                  <a:pt x="3435710" y="2051662"/>
+                  <a:pt x="3690552" y="2031868"/>
+                </a:cubicBezTo>
+                <a:cubicBezTo>
+                  <a:pt x="3743051" y="2027790"/>
+                  <a:pt x="3837571" y="1956963"/>
+                  <a:pt x="3871784" y="1933014"/>
+                </a:cubicBezTo>
+                <a:cubicBezTo>
+                  <a:pt x="3922775" y="1897320"/>
+                  <a:pt x="3972837" y="1858834"/>
+                  <a:pt x="4011827" y="1809447"/>
+                </a:cubicBezTo>
+                <a:cubicBezTo>
+                  <a:pt x="4031670" y="1784312"/>
+                  <a:pt x="4047487" y="1755981"/>
+                  <a:pt x="4061255" y="1727068"/>
+                </a:cubicBezTo>
+                <a:cubicBezTo>
+                  <a:pt x="4075073" y="1698050"/>
+                  <a:pt x="4083222" y="1666657"/>
+                  <a:pt x="4094206" y="1636452"/>
+                </a:cubicBezTo>
+                <a:cubicBezTo>
+                  <a:pt x="4127918" y="1434185"/>
+                  <a:pt x="4131061" y="1452816"/>
+                  <a:pt x="4102444" y="1133944"/>
+                </a:cubicBezTo>
+                <a:cubicBezTo>
+                  <a:pt x="4095175" y="1052951"/>
+                  <a:pt x="4068003" y="974973"/>
+                  <a:pt x="4053017" y="895047"/>
+                </a:cubicBezTo>
+                <a:cubicBezTo>
+                  <a:pt x="4028623" y="764948"/>
+                  <a:pt x="4032723" y="749621"/>
+                  <a:pt x="3978876" y="623198"/>
+                </a:cubicBezTo>
+                <a:cubicBezTo>
+                  <a:pt x="3935062" y="520329"/>
+                  <a:pt x="3906596" y="407336"/>
+                  <a:pt x="3838833" y="318398"/>
+                </a:cubicBezTo>
+                <a:cubicBezTo>
+                  <a:pt x="3742723" y="192255"/>
+                  <a:pt x="3745199" y="162882"/>
+                  <a:pt x="3641125" y="95977"/>
+                </a:cubicBezTo>
+                <a:cubicBezTo>
+                  <a:pt x="3625630" y="86016"/>
+                  <a:pt x="3608701" y="78348"/>
+                  <a:pt x="3591698" y="71263"/>
+                </a:cubicBezTo>
+                <a:cubicBezTo>
+                  <a:pt x="3548181" y="53131"/>
+                  <a:pt x="3538478" y="54155"/>
+                  <a:pt x="3492844" y="46550"/>
+                </a:cubicBezTo>
+                <a:cubicBezTo>
+                  <a:pt x="3385304" y="-34105"/>
+                  <a:pt x="3456607" y="8308"/>
+                  <a:pt x="3171568" y="38312"/>
+                </a:cubicBezTo>
+                <a:cubicBezTo>
+                  <a:pt x="3161722" y="39348"/>
+                  <a:pt x="3155955" y="50887"/>
+                  <a:pt x="3146855" y="54787"/>
+                </a:cubicBezTo>
+                <a:cubicBezTo>
+                  <a:pt x="3136448" y="59247"/>
+                  <a:pt x="3124887" y="60279"/>
+                  <a:pt x="3113903" y="63025"/>
+                </a:cubicBezTo>
+                <a:cubicBezTo>
+                  <a:pt x="3100173" y="71263"/>
+                  <a:pt x="3086711" y="79963"/>
+                  <a:pt x="3072714" y="87739"/>
+                </a:cubicBezTo>
+                <a:cubicBezTo>
+                  <a:pt x="3032670" y="109986"/>
+                  <a:pt x="3032860" y="102374"/>
+                  <a:pt x="2990336" y="137166"/>
+                </a:cubicBezTo>
+                <a:cubicBezTo>
+                  <a:pt x="2925399" y="190296"/>
+                  <a:pt x="2977161" y="171351"/>
+                  <a:pt x="2916195" y="186593"/>
+                </a:cubicBezTo>
+                <a:cubicBezTo>
+                  <a:pt x="2910703" y="194831"/>
+                  <a:pt x="2906720" y="204305"/>
+                  <a:pt x="2899719" y="211306"/>
+                </a:cubicBezTo>
+                <a:cubicBezTo>
+                  <a:pt x="2892718" y="218307"/>
+                  <a:pt x="2880946" y="219862"/>
+                  <a:pt x="2875006" y="227782"/>
+                </a:cubicBezTo>
+                <a:cubicBezTo>
+                  <a:pt x="2799584" y="328345"/>
+                  <a:pt x="2894563" y="233511"/>
+                  <a:pt x="2825579" y="310160"/>
+                </a:cubicBezTo>
+                <a:cubicBezTo>
+                  <a:pt x="2809992" y="327479"/>
+                  <a:pt x="2776152" y="359587"/>
+                  <a:pt x="2776152" y="359587"/>
+                </a:cubicBezTo>
+                <a:cubicBezTo>
+                  <a:pt x="2760113" y="407703"/>
+                  <a:pt x="2778055" y="361103"/>
+                  <a:pt x="2751438" y="409014"/>
+                </a:cubicBezTo>
+                <a:cubicBezTo>
+                  <a:pt x="2742492" y="425116"/>
+                  <a:pt x="2734963" y="441965"/>
+                  <a:pt x="2726725" y="458441"/>
+                </a:cubicBezTo>
+                <a:cubicBezTo>
+                  <a:pt x="2719402" y="495055"/>
+                  <a:pt x="2725726" y="503042"/>
+                  <a:pt x="2693773" y="524344"/>
+                </a:cubicBezTo>
+                <a:cubicBezTo>
+                  <a:pt x="2686548" y="529161"/>
+                  <a:pt x="2669060" y="532582"/>
+                  <a:pt x="2669060" y="532582"/>
+                </a:cubicBezTo>
+              </a:path>
+            </a:pathLst>
+          </a:custGeom>
+          <a:noFill/>
+          <a:ln w="28575">
+            <a:solidFill>
+              <a:srgbClr val="C917ED"/>
+            </a:solidFill>
+          </a:ln>
+        </p:spPr>
+        <p:style>
+          <a:lnRef idx="2">
+            <a:schemeClr val="accent1">
+              <a:shade val="15000"/>
+            </a:schemeClr>
+          </a:lnRef>
+          <a:fillRef idx="1">
+            <a:schemeClr val="accent1"/>
+          </a:fillRef>
+          <a:effectRef idx="0">
+            <a:schemeClr val="accent1"/>
+          </a:effectRef>
+          <a:fontRef idx="minor">
+            <a:schemeClr val="lt1"/>
+          </a:fontRef>
+        </p:style>
+        <p:txBody>
+          <a:bodyPr rtlCol="0" anchor="ctr"/>
+          <a:lstStyle/>
+          <a:p>
+            <a:pPr algn="ctr"/>
+            <a:endParaRPr lang="zh-CN" altLang="en-US"/>
+          </a:p>
+        </p:txBody>
+      </p:sp>
+    </p:spTree>
+    <p:extLst>
+      <p:ext uri="{BB962C8B-B14F-4D97-AF65-F5344CB8AC3E}">
+        <p14:creationId xmlns:p14="http://schemas.microsoft.com/office/powerpoint/2010/main" val="3054017799"/>
+      </p:ext>
+    </p:extLst>
+  </p:cSld>
+  <p:clrMapOvr>
+    <a:masterClrMapping/>
+  </p:clrMapOvr>
+</p:sld>
+</file>
+
+<file path=ppt/slides/slide4.xml><?xml version="1.0" encoding="utf-8"?>
+<p:sld xmlns:a="http://schemas.openxmlformats.org/drawingml/2006/main" xmlns:r="http://schemas.openxmlformats.org/officeDocument/2006/relationships" xmlns:p="http://schemas.openxmlformats.org/presentationml/2006/main">
+  <p:cSld>
+    <p:spTree>
+      <p:nvGrpSpPr>
+        <p:cNvPr id="1" name=""/>
+        <p:cNvGrpSpPr/>
+        <p:nvPr/>
+      </p:nvGrpSpPr>
+      <p:grpSpPr>
+        <a:xfrm>
+          <a:off x="0" y="0"/>
+          <a:ext cx="0" cy="0"/>
+          <a:chOff x="0" y="0"/>
+          <a:chExt cx="0" cy="0"/>
+        </a:xfrm>
+      </p:grpSpPr>
       <p:pic>
         <p:nvPicPr>
           <p:cNvPr id="3" name="图片 2">
@@ -7466,7 +9524,7 @@
 </p:sld>
 </file>
 
-<file path=ppt/slides/slide4.xml><?xml version="1.0" encoding="utf-8"?>
+<file path=ppt/slides/slide5.xml><?xml version="1.0" encoding="utf-8"?>
 <p:sld xmlns:a="http://schemas.openxmlformats.org/drawingml/2006/main" xmlns:r="http://schemas.openxmlformats.org/officeDocument/2006/relationships" xmlns:p="http://schemas.openxmlformats.org/presentationml/2006/main">
   <p:cSld>
     <p:spTree>
@@ -7890,7 +9948,7 @@
 </p:sld>
 </file>
 
-<file path=ppt/slides/slide5.xml><?xml version="1.0" encoding="utf-8"?>
+<file path=ppt/slides/slide6.xml><?xml version="1.0" encoding="utf-8"?>
 <p:sld xmlns:a="http://schemas.openxmlformats.org/drawingml/2006/main" xmlns:r="http://schemas.openxmlformats.org/officeDocument/2006/relationships" xmlns:p="http://schemas.openxmlformats.org/presentationml/2006/main">
   <p:cSld>
     <p:spTree>
@@ -8060,7 +10118,7 @@
 </p:sld>
 </file>
 
-<file path=ppt/slides/slide6.xml><?xml version="1.0" encoding="utf-8"?>
+<file path=ppt/slides/slide7.xml><?xml version="1.0" encoding="utf-8"?>
 <p:sld xmlns:a="http://schemas.openxmlformats.org/drawingml/2006/main" xmlns:r="http://schemas.openxmlformats.org/officeDocument/2006/relationships" xmlns:p="http://schemas.openxmlformats.org/presentationml/2006/main">
   <p:cSld>
     <p:spTree>
@@ -8384,6 +10442,316 @@
     <p:extLst>
       <p:ext uri="{BB962C8B-B14F-4D97-AF65-F5344CB8AC3E}">
         <p14:creationId xmlns:p14="http://schemas.microsoft.com/office/powerpoint/2010/main" val="703488226"/>
+      </p:ext>
+    </p:extLst>
+  </p:cSld>
+  <p:clrMapOvr>
+    <a:masterClrMapping/>
+  </p:clrMapOvr>
+</p:sld>
+</file>
+
+<file path=ppt/slides/slide8.xml><?xml version="1.0" encoding="utf-8"?>
+<p:sld xmlns:a="http://schemas.openxmlformats.org/drawingml/2006/main" xmlns:r="http://schemas.openxmlformats.org/officeDocument/2006/relationships" xmlns:p="http://schemas.openxmlformats.org/presentationml/2006/main">
+  <p:cSld>
+    <p:spTree>
+      <p:nvGrpSpPr>
+        <p:cNvPr id="1" name=""/>
+        <p:cNvGrpSpPr/>
+        <p:nvPr/>
+      </p:nvGrpSpPr>
+      <p:grpSpPr>
+        <a:xfrm>
+          <a:off x="0" y="0"/>
+          <a:ext cx="0" cy="0"/>
+          <a:chOff x="0" y="0"/>
+          <a:chExt cx="0" cy="0"/>
+        </a:xfrm>
+      </p:grpSpPr>
+      <p:pic>
+        <p:nvPicPr>
+          <p:cNvPr id="3" name="图片 2">
+            <a:extLst>
+              <a:ext uri="{FF2B5EF4-FFF2-40B4-BE49-F238E27FC236}">
+                <a16:creationId xmlns:a16="http://schemas.microsoft.com/office/drawing/2014/main" id="{24DAAE2C-0405-8652-3949-5ADEA21F0C7D}"/>
+              </a:ext>
+            </a:extLst>
+          </p:cNvPr>
+          <p:cNvPicPr>
+            <a:picLocks noChangeAspect="1"/>
+          </p:cNvPicPr>
+          <p:nvPr/>
+        </p:nvPicPr>
+        <p:blipFill>
+          <a:blip r:embed="rId2">
+            <a:extLst>
+              <a:ext uri="{28A0092B-C50C-407E-A947-70E740481C1C}">
+                <a14:useLocalDpi xmlns:a14="http://schemas.microsoft.com/office/drawing/2010/main" val="0"/>
+              </a:ext>
+            </a:extLst>
+          </a:blip>
+          <a:stretch>
+            <a:fillRect/>
+          </a:stretch>
+        </p:blipFill>
+        <p:spPr>
+          <a:xfrm>
+            <a:off x="900762" y="667095"/>
+            <a:ext cx="10390476" cy="5523809"/>
+          </a:xfrm>
+          <a:prstGeom prst="rect">
+            <a:avLst/>
+          </a:prstGeom>
+        </p:spPr>
+      </p:pic>
+      <p:sp>
+        <p:nvSpPr>
+          <p:cNvPr id="4" name="矩形 3">
+            <a:extLst>
+              <a:ext uri="{FF2B5EF4-FFF2-40B4-BE49-F238E27FC236}">
+                <a16:creationId xmlns:a16="http://schemas.microsoft.com/office/drawing/2014/main" id="{FFCAE781-6875-064B-0E7E-158B55F08489}"/>
+              </a:ext>
+            </a:extLst>
+          </p:cNvPr>
+          <p:cNvSpPr/>
+          <p:nvPr/>
+        </p:nvSpPr>
+        <p:spPr>
+          <a:xfrm>
+            <a:off x="2168611" y="2627870"/>
+            <a:ext cx="2592859" cy="358346"/>
+          </a:xfrm>
+          <a:prstGeom prst="rect">
+            <a:avLst/>
+          </a:prstGeom>
+          <a:noFill/>
+          <a:ln w="57150">
+            <a:solidFill>
+              <a:srgbClr val="FF0000"/>
+            </a:solidFill>
+          </a:ln>
+        </p:spPr>
+        <p:style>
+          <a:lnRef idx="2">
+            <a:schemeClr val="accent1">
+              <a:shade val="15000"/>
+            </a:schemeClr>
+          </a:lnRef>
+          <a:fillRef idx="1">
+            <a:schemeClr val="accent1"/>
+          </a:fillRef>
+          <a:effectRef idx="0">
+            <a:schemeClr val="accent1"/>
+          </a:effectRef>
+          <a:fontRef idx="minor">
+            <a:schemeClr val="lt1"/>
+          </a:fontRef>
+        </p:style>
+        <p:txBody>
+          <a:bodyPr rtlCol="0" anchor="ctr"/>
+          <a:lstStyle/>
+          <a:p>
+            <a:pPr algn="ctr"/>
+            <a:endParaRPr lang="zh-CN" altLang="en-US"/>
+          </a:p>
+        </p:txBody>
+      </p:sp>
+      <p:sp>
+        <p:nvSpPr>
+          <p:cNvPr id="5" name="矩形 4">
+            <a:extLst>
+              <a:ext uri="{FF2B5EF4-FFF2-40B4-BE49-F238E27FC236}">
+                <a16:creationId xmlns:a16="http://schemas.microsoft.com/office/drawing/2014/main" id="{1DBDA537-2FBD-B232-07A2-B9398FEE3D02}"/>
+              </a:ext>
+            </a:extLst>
+          </p:cNvPr>
+          <p:cNvSpPr/>
+          <p:nvPr/>
+        </p:nvSpPr>
+        <p:spPr>
+          <a:xfrm>
+            <a:off x="1278925" y="823783"/>
+            <a:ext cx="426308" cy="453081"/>
+          </a:xfrm>
+          <a:prstGeom prst="rect">
+            <a:avLst/>
+          </a:prstGeom>
+          <a:noFill/>
+          <a:ln w="57150">
+            <a:solidFill>
+              <a:srgbClr val="FF0000"/>
+            </a:solidFill>
+          </a:ln>
+        </p:spPr>
+        <p:style>
+          <a:lnRef idx="2">
+            <a:schemeClr val="accent1">
+              <a:shade val="15000"/>
+            </a:schemeClr>
+          </a:lnRef>
+          <a:fillRef idx="1">
+            <a:schemeClr val="accent1"/>
+          </a:fillRef>
+          <a:effectRef idx="0">
+            <a:schemeClr val="accent1"/>
+          </a:effectRef>
+          <a:fontRef idx="minor">
+            <a:schemeClr val="lt1"/>
+          </a:fontRef>
+        </p:style>
+        <p:txBody>
+          <a:bodyPr rtlCol="0" anchor="ctr"/>
+          <a:lstStyle/>
+          <a:p>
+            <a:pPr algn="ctr"/>
+            <a:endParaRPr lang="zh-CN" altLang="en-US"/>
+          </a:p>
+        </p:txBody>
+      </p:sp>
+      <p:cxnSp>
+        <p:nvCxnSpPr>
+          <p:cNvPr id="6" name="直接箭头连接符 5">
+            <a:extLst>
+              <a:ext uri="{FF2B5EF4-FFF2-40B4-BE49-F238E27FC236}">
+                <a16:creationId xmlns:a16="http://schemas.microsoft.com/office/drawing/2014/main" id="{557F97C2-10BD-E837-BE60-63FBDFA74A58}"/>
+              </a:ext>
+            </a:extLst>
+          </p:cNvPr>
+          <p:cNvCxnSpPr>
+            <a:cxnSpLocks/>
+          </p:cNvCxnSpPr>
+          <p:nvPr/>
+        </p:nvCxnSpPr>
+        <p:spPr>
+          <a:xfrm flipH="1" flipV="1">
+            <a:off x="1492079" y="1433552"/>
+            <a:ext cx="605733" cy="1194318"/>
+          </a:xfrm>
+          <a:prstGeom prst="straightConnector1">
+            <a:avLst/>
+          </a:prstGeom>
+          <a:ln w="28575">
+            <a:solidFill>
+              <a:srgbClr val="FF0000"/>
+            </a:solidFill>
+            <a:tailEnd type="triangle"/>
+          </a:ln>
+        </p:spPr>
+        <p:style>
+          <a:lnRef idx="1">
+            <a:schemeClr val="accent1"/>
+          </a:lnRef>
+          <a:fillRef idx="0">
+            <a:schemeClr val="accent1"/>
+          </a:fillRef>
+          <a:effectRef idx="0">
+            <a:schemeClr val="accent1"/>
+          </a:effectRef>
+          <a:fontRef idx="minor">
+            <a:schemeClr val="tx1"/>
+          </a:fontRef>
+        </p:style>
+      </p:cxnSp>
+      <p:sp>
+        <p:nvSpPr>
+          <p:cNvPr id="8" name="矩形 7">
+            <a:extLst>
+              <a:ext uri="{FF2B5EF4-FFF2-40B4-BE49-F238E27FC236}">
+                <a16:creationId xmlns:a16="http://schemas.microsoft.com/office/drawing/2014/main" id="{57B33896-4D76-0C1F-B341-1B4E8D88FD26}"/>
+              </a:ext>
+            </a:extLst>
+          </p:cNvPr>
+          <p:cNvSpPr/>
+          <p:nvPr/>
+        </p:nvSpPr>
+        <p:spPr>
+          <a:xfrm>
+            <a:off x="1870242" y="617753"/>
+            <a:ext cx="426308" cy="288409"/>
+          </a:xfrm>
+          <a:prstGeom prst="rect">
+            <a:avLst/>
+          </a:prstGeom>
+          <a:noFill/>
+          <a:ln w="57150">
+            <a:solidFill>
+              <a:srgbClr val="FF0000"/>
+            </a:solidFill>
+          </a:ln>
+        </p:spPr>
+        <p:style>
+          <a:lnRef idx="2">
+            <a:schemeClr val="accent1">
+              <a:shade val="15000"/>
+            </a:schemeClr>
+          </a:lnRef>
+          <a:fillRef idx="1">
+            <a:schemeClr val="accent1"/>
+          </a:fillRef>
+          <a:effectRef idx="0">
+            <a:schemeClr val="accent1"/>
+          </a:effectRef>
+          <a:fontRef idx="minor">
+            <a:schemeClr val="lt1"/>
+          </a:fontRef>
+        </p:style>
+        <p:txBody>
+          <a:bodyPr rtlCol="0" anchor="ctr"/>
+          <a:lstStyle/>
+          <a:p>
+            <a:pPr algn="ctr"/>
+            <a:endParaRPr lang="zh-CN" altLang="en-US"/>
+          </a:p>
+        </p:txBody>
+      </p:sp>
+      <p:cxnSp>
+        <p:nvCxnSpPr>
+          <p:cNvPr id="9" name="直接箭头连接符 8">
+            <a:extLst>
+              <a:ext uri="{FF2B5EF4-FFF2-40B4-BE49-F238E27FC236}">
+                <a16:creationId xmlns:a16="http://schemas.microsoft.com/office/drawing/2014/main" id="{AF9B6437-F4D5-3908-6E04-290FA9CD9FB2}"/>
+              </a:ext>
+            </a:extLst>
+          </p:cNvPr>
+          <p:cNvCxnSpPr>
+            <a:cxnSpLocks/>
+          </p:cNvCxnSpPr>
+          <p:nvPr/>
+        </p:nvCxnSpPr>
+        <p:spPr>
+          <a:xfrm>
+            <a:off x="2168611" y="980302"/>
+            <a:ext cx="1375719" cy="1573428"/>
+          </a:xfrm>
+          <a:prstGeom prst="straightConnector1">
+            <a:avLst/>
+          </a:prstGeom>
+          <a:ln w="28575">
+            <a:solidFill>
+              <a:srgbClr val="FF0000"/>
+            </a:solidFill>
+            <a:tailEnd type="triangle"/>
+          </a:ln>
+        </p:spPr>
+        <p:style>
+          <a:lnRef idx="1">
+            <a:schemeClr val="accent1"/>
+          </a:lnRef>
+          <a:fillRef idx="0">
+            <a:schemeClr val="accent1"/>
+          </a:fillRef>
+          <a:effectRef idx="0">
+            <a:schemeClr val="accent1"/>
+          </a:effectRef>
+          <a:fontRef idx="minor">
+            <a:schemeClr val="tx1"/>
+          </a:fontRef>
+        </p:style>
+      </p:cxnSp>
+    </p:spTree>
+    <p:extLst>
+      <p:ext uri="{BB962C8B-B14F-4D97-AF65-F5344CB8AC3E}">
+        <p14:creationId xmlns:p14="http://schemas.microsoft.com/office/powerpoint/2010/main" val="3294282624"/>
       </p:ext>
     </p:extLst>
   </p:cSld>
